--- a/inna/Занятие 3.pptx
+++ b/inna/Занятие 3.pptx
@@ -2232,7 +2232,364 @@
             </a:r>
           </a:p>
           <a:p>
-            <a:endParaRPr lang="ru-RU" smtClean="0"/>
+            <a:endParaRPr lang="ru-RU" dirty="0" smtClean="0"/>
+          </a:p>
+          <a:p>
+            <a:r>
+              <a:rPr lang="ru-RU" dirty="0" smtClean="0"/>
+              <a:t>Тестирование </a:t>
+            </a:r>
+            <a:r>
+              <a:rPr lang="ru-RU" dirty="0" err="1" smtClean="0"/>
+              <a:t>сопровождаемости</a:t>
+            </a:r>
+            <a:r>
+              <a:rPr lang="ru-RU" dirty="0" smtClean="0"/>
+              <a:t> (</a:t>
+            </a:r>
+            <a:r>
+              <a:rPr lang="en-US" dirty="0" smtClean="0"/>
+              <a:t>maintainability</a:t>
+            </a:r>
+            <a:r>
+              <a:rPr lang="en-US" baseline="0" dirty="0" smtClean="0"/>
+              <a:t> testing</a:t>
+            </a:r>
+            <a:r>
+              <a:rPr lang="ru-RU" dirty="0" smtClean="0"/>
+              <a:t>).</a:t>
+            </a:r>
+          </a:p>
+          <a:p>
+            <a:r>
+              <a:rPr lang="ru-RU" dirty="0" err="1" smtClean="0"/>
+              <a:t>Сопровождаемость</a:t>
+            </a:r>
+            <a:r>
+              <a:rPr lang="ru-RU" baseline="0" dirty="0" smtClean="0"/>
+              <a:t> - </a:t>
+            </a:r>
+            <a:r>
+              <a:rPr lang="ru-RU" dirty="0" smtClean="0"/>
+              <a:t>аспект качества в большей степени не внешний, а внутренний.</a:t>
+            </a:r>
+          </a:p>
+          <a:p>
+            <a:r>
+              <a:rPr lang="ru-RU" dirty="0" smtClean="0"/>
+              <a:t>Он важен не столько конечным пользователям, не столько потребителям программы, сколько самим разработчикам и ее </a:t>
+            </a:r>
+            <a:r>
+              <a:rPr lang="ru-RU" dirty="0" err="1" smtClean="0"/>
+              <a:t>тестировщикам</a:t>
+            </a:r>
+            <a:r>
+              <a:rPr lang="ru-RU" dirty="0" smtClean="0"/>
+              <a:t>.</a:t>
+            </a:r>
+          </a:p>
+          <a:p>
+            <a:r>
+              <a:rPr lang="ru-RU" dirty="0" smtClean="0"/>
+              <a:t>Все его </a:t>
+            </a:r>
+            <a:r>
+              <a:rPr lang="ru-RU" dirty="0" err="1" smtClean="0"/>
+              <a:t>подхарактеристики</a:t>
+            </a:r>
+            <a:r>
+              <a:rPr lang="ru-RU" dirty="0" smtClean="0"/>
+              <a:t> тестированию практически не поддаются, и для них применяются какие-то другие способы контроля качества, как правило, аналитические. Статический анализ кода, код </a:t>
+            </a:r>
+            <a:r>
+              <a:rPr lang="ru-RU" dirty="0" err="1" smtClean="0"/>
+              <a:t>ревью</a:t>
+            </a:r>
+            <a:r>
+              <a:rPr lang="ru-RU" dirty="0" smtClean="0"/>
+              <a:t>, анализ документации и так далее.</a:t>
+            </a:r>
+          </a:p>
+          <a:p>
+            <a:endParaRPr lang="ru-RU" dirty="0" smtClean="0"/>
+          </a:p>
+          <a:p>
+            <a:r>
+              <a:rPr lang="ru-RU" dirty="0" smtClean="0"/>
+              <a:t>Тестирование переносимости (</a:t>
+            </a:r>
+            <a:r>
+              <a:rPr lang="en-US" dirty="0" smtClean="0"/>
+              <a:t>portability</a:t>
+            </a:r>
+            <a:r>
+              <a:rPr lang="en-US" baseline="0" dirty="0" smtClean="0"/>
+              <a:t> testing</a:t>
+            </a:r>
+            <a:r>
+              <a:rPr lang="ru-RU" dirty="0" smtClean="0"/>
+              <a:t>) – тестирование с целью определить переносимость ПО.</a:t>
+            </a:r>
+          </a:p>
+          <a:p>
+            <a:r>
+              <a:rPr lang="ru-RU" dirty="0" smtClean="0"/>
+              <a:t>Программа должна уметь работать в различных окружениях (</a:t>
+            </a:r>
+            <a:r>
+              <a:rPr lang="ru-RU" dirty="0" err="1" smtClean="0"/>
+              <a:t>adaptibility</a:t>
+            </a:r>
+            <a:r>
+              <a:rPr lang="ru-RU" dirty="0" smtClean="0"/>
+              <a:t>), она должна быть достаточно </a:t>
+            </a:r>
+            <a:r>
+              <a:rPr lang="ru-RU" sz="1200" kern="1200" dirty="0" smtClean="0">
+                <a:solidFill>
+                  <a:schemeClr val="tx1"/>
+                </a:solidFill>
+                <a:latin typeface="+mn-lt"/>
+                <a:ea typeface="+mn-ea"/>
+                <a:cs typeface="+mn-cs"/>
+              </a:rPr>
+              <a:t>проста в установке </a:t>
+            </a:r>
+            <a:r>
+              <a:rPr lang="ru-RU" dirty="0" smtClean="0"/>
+              <a:t>(</a:t>
+            </a:r>
+            <a:r>
+              <a:rPr lang="ru-RU" dirty="0" err="1" smtClean="0"/>
+              <a:t>installability</a:t>
+            </a:r>
+            <a:r>
+              <a:rPr lang="ru-RU" dirty="0" smtClean="0"/>
+              <a:t>), она должна </a:t>
+            </a:r>
+            <a:r>
+              <a:rPr lang="ru-RU" sz="1200" kern="1200" dirty="0" smtClean="0">
+                <a:solidFill>
+                  <a:schemeClr val="tx1"/>
+                </a:solidFill>
+                <a:latin typeface="+mn-lt"/>
+                <a:ea typeface="+mn-ea"/>
+                <a:cs typeface="+mn-cs"/>
+              </a:rPr>
+              <a:t>работать одновременно с другими программами</a:t>
+            </a:r>
+            <a:r>
+              <a:rPr lang="ru-RU" dirty="0" smtClean="0"/>
+              <a:t> и не мешать им (</a:t>
+            </a:r>
+            <a:r>
+              <a:rPr lang="ru-RU" dirty="0" err="1" smtClean="0"/>
+              <a:t>coexistence</a:t>
+            </a:r>
+            <a:r>
+              <a:rPr lang="ru-RU" dirty="0" smtClean="0"/>
+              <a:t>), и они должны не мешать ей, конечно же.</a:t>
+            </a:r>
+          </a:p>
+          <a:p>
+            <a:r>
+              <a:rPr lang="ru-RU" dirty="0" smtClean="0"/>
+              <a:t>И, наконец, хорошая программа должна предоставлять возможность пользователю перейти с какого-то другого аналогичного программного обеспечения на использование этой программы – </a:t>
+            </a:r>
+            <a:r>
+              <a:rPr lang="ru-RU" sz="1200" kern="1200" dirty="0" smtClean="0">
+                <a:solidFill>
+                  <a:schemeClr val="tx1"/>
+                </a:solidFill>
+                <a:latin typeface="+mn-lt"/>
+                <a:ea typeface="+mn-ea"/>
+                <a:cs typeface="+mn-cs"/>
+              </a:rPr>
+              <a:t>замена другого ПО данным</a:t>
+            </a:r>
+            <a:r>
+              <a:rPr lang="ru-RU" dirty="0" smtClean="0"/>
+              <a:t> (</a:t>
+            </a:r>
+            <a:r>
+              <a:rPr lang="ru-RU" dirty="0" err="1" smtClean="0"/>
+              <a:t>replaceability</a:t>
+            </a:r>
+            <a:r>
+              <a:rPr lang="ru-RU" dirty="0" smtClean="0"/>
+              <a:t>). То есть предоставить какие-то возможности по миграции, чаще всего по миграции данных.</a:t>
+            </a:r>
+          </a:p>
+          <a:p>
+            <a:endParaRPr lang="ru-RU" dirty="0" smtClean="0"/>
+          </a:p>
+          <a:p>
+            <a:r>
+              <a:rPr lang="en-US" dirty="0" smtClean="0"/>
+              <a:t>Reliability </a:t>
+            </a:r>
+            <a:r>
+              <a:rPr lang="en-US" dirty="0" err="1" smtClean="0"/>
+              <a:t>testting</a:t>
+            </a:r>
+            <a:r>
+              <a:rPr lang="en-US" baseline="0" dirty="0" smtClean="0"/>
+              <a:t> </a:t>
+            </a:r>
+            <a:r>
+              <a:rPr lang="ru-RU" baseline="0" dirty="0" smtClean="0"/>
+              <a:t>(тестирование надежности)</a:t>
+            </a:r>
+          </a:p>
+          <a:p>
+            <a:r>
+              <a:rPr lang="ru-RU" dirty="0" smtClean="0"/>
+              <a:t>К надежности относятся такие </a:t>
+            </a:r>
+            <a:r>
+              <a:rPr lang="ru-RU" dirty="0" err="1" smtClean="0"/>
+              <a:t>подхарактеристики</a:t>
+            </a:r>
+            <a:r>
+              <a:rPr lang="ru-RU" dirty="0" smtClean="0"/>
+              <a:t>, как </a:t>
+            </a:r>
+            <a:r>
+              <a:rPr lang="ru-RU" sz="1200" kern="1200" dirty="0" smtClean="0">
+                <a:solidFill>
+                  <a:schemeClr val="tx1"/>
+                </a:solidFill>
+                <a:latin typeface="+mn-lt"/>
+                <a:ea typeface="+mn-ea"/>
+                <a:cs typeface="+mn-cs"/>
+              </a:rPr>
+              <a:t>зрелость </a:t>
+            </a:r>
+            <a:r>
+              <a:rPr lang="ru-RU" dirty="0" smtClean="0"/>
+              <a:t>(</a:t>
+            </a:r>
+            <a:r>
+              <a:rPr lang="ru-RU" dirty="0" err="1" smtClean="0"/>
+              <a:t>maturity</a:t>
+            </a:r>
+            <a:r>
+              <a:rPr lang="ru-RU" dirty="0" smtClean="0"/>
+              <a:t>), которая является обратной величиной к частоте отказов, и </a:t>
+            </a:r>
+            <a:r>
+              <a:rPr lang="ru-RU" sz="1200" kern="1200" dirty="0" smtClean="0">
+                <a:solidFill>
+                  <a:schemeClr val="tx1"/>
+                </a:solidFill>
+                <a:latin typeface="+mn-lt"/>
+                <a:ea typeface="+mn-ea"/>
+                <a:cs typeface="+mn-cs"/>
+              </a:rPr>
+              <a:t>устойчивость к отказам</a:t>
+            </a:r>
+            <a:r>
+              <a:rPr lang="ru-RU" dirty="0" smtClean="0"/>
+              <a:t> (</a:t>
+            </a:r>
+            <a:r>
+              <a:rPr lang="ru-RU" dirty="0" err="1" smtClean="0"/>
+              <a:t>fault</a:t>
+            </a:r>
+            <a:r>
+              <a:rPr lang="ru-RU" dirty="0" smtClean="0"/>
+              <a:t> </a:t>
+            </a:r>
+            <a:r>
+              <a:rPr lang="ru-RU" dirty="0" err="1" smtClean="0"/>
+              <a:t>tolerance</a:t>
+            </a:r>
+            <a:r>
+              <a:rPr lang="ru-RU" dirty="0" smtClean="0"/>
+              <a:t>), то есть способность системы не реагировать на какие-то внутренние проблемы. В том числе сюда относится транзакционная целостность и способность к </a:t>
+            </a:r>
+            <a:r>
+              <a:rPr lang="ru-RU" sz="1200" kern="1200" dirty="0" smtClean="0">
+                <a:solidFill>
+                  <a:schemeClr val="tx1"/>
+                </a:solidFill>
+                <a:latin typeface="+mn-lt"/>
+                <a:ea typeface="+mn-ea"/>
+                <a:cs typeface="+mn-cs"/>
+              </a:rPr>
+              <a:t>восстановлению работоспособности при отказах</a:t>
+            </a:r>
+            <a:r>
+              <a:rPr lang="ru-RU" dirty="0" smtClean="0"/>
+              <a:t> (</a:t>
+            </a:r>
+            <a:r>
+              <a:rPr lang="ru-RU" dirty="0" err="1" smtClean="0"/>
+              <a:t>recoverability</a:t>
+            </a:r>
+            <a:r>
+              <a:rPr lang="ru-RU" dirty="0" smtClean="0"/>
+              <a:t>). То есть если у вас сервер упал, то он должен самостоятельно восстановиться, вернуть все нужные данные, ничего не потерять, и продолжить работу.</a:t>
+            </a:r>
+          </a:p>
+          <a:p>
+            <a:endParaRPr lang="ru-RU" dirty="0" smtClean="0"/>
+          </a:p>
+          <a:p>
+            <a:r>
+              <a:rPr lang="en-US" dirty="0" smtClean="0"/>
+              <a:t>Volume testing (</a:t>
+            </a:r>
+            <a:r>
+              <a:rPr lang="ru-RU" dirty="0" smtClean="0"/>
+              <a:t>тестирование вместимости</a:t>
+            </a:r>
+            <a:r>
+              <a:rPr lang="en-US" dirty="0" smtClean="0"/>
+              <a:t>)</a:t>
+            </a:r>
+            <a:r>
+              <a:rPr lang="ru-RU" dirty="0" smtClean="0"/>
+              <a:t> – тестирование, направленное на определения объема</a:t>
+            </a:r>
+            <a:r>
+              <a:rPr lang="ru-RU" baseline="0" dirty="0" smtClean="0"/>
+              <a:t> данных, которые может обрабатывать система </a:t>
+            </a:r>
+            <a:r>
+              <a:rPr lang="ru-RU" baseline="0" dirty="0" err="1" smtClean="0"/>
+              <a:t>и\</a:t>
+            </a:r>
+            <a:r>
+              <a:rPr lang="ru-RU" baseline="0" dirty="0" smtClean="0"/>
+              <a:t> или объем данных, которые могут находиться в базе данных и т.д.</a:t>
+            </a:r>
+          </a:p>
+          <a:p>
+            <a:endParaRPr lang="ru-RU" baseline="0" dirty="0" smtClean="0"/>
+          </a:p>
+          <a:p>
+            <a:r>
+              <a:rPr lang="ru-RU" baseline="0" dirty="0" smtClean="0"/>
+              <a:t>Установочное тестирование – процесс тестирования на определение </a:t>
+            </a:r>
+            <a:r>
+              <a:rPr lang="ru-RU" baseline="0" dirty="0" err="1" smtClean="0"/>
+              <a:t>устанавливаемости</a:t>
+            </a:r>
+            <a:r>
+              <a:rPr lang="ru-RU" baseline="0" dirty="0" smtClean="0"/>
+              <a:t> системы.</a:t>
+            </a:r>
+          </a:p>
+          <a:p>
+            <a:endParaRPr lang="ru-RU" dirty="0" smtClean="0"/>
+          </a:p>
+          <a:p>
+            <a:r>
+              <a:rPr lang="ru-RU" dirty="0" smtClean="0"/>
+              <a:t>Конфигурационное тестирование – см. Тестирование переносимости.</a:t>
+            </a:r>
           </a:p>
           <a:p>
             <a:endParaRPr lang="ru-RU" dirty="0"/>
@@ -2313,7 +2670,7 @@
         <p:spPr/>
         <p:txBody>
           <a:bodyPr>
-            <a:normAutofit/>
+            <a:normAutofit lnSpcReduction="10000"/>
           </a:bodyPr>
           <a:lstStyle/>
           <a:p>
@@ -2321,6 +2678,752 @@
               <a:rPr lang="en-US" dirty="0" smtClean="0"/>
               <a:t>https://ru.wikipedia.org/wiki/%D0%A1%D1%82%D1%80%D0%B0%D1%82%D0%B5%D0%B3%D0%B8%D1%8F_%D1%82%D0%B5%D1%81%D1%82%D0%B8%D1%80%D0%BE%D0%B2%D0%B0%D0%BD%D0%B8%D1%8F_%D0%BF%D0%BE_%D0%BF%D1%80%D0%B8%D0%BD%D1%86%D0%B8%D0%BF%D1%83_%C2%AB%D0%91%D0%B5%D0%BB%D0%BE%D0%B3%D0%BE_%D1%8F%D1%89%D0%B8%D0%BA%D0%B0%C2%BB</a:t>
             </a:r>
+            <a:endParaRPr lang="ru-RU" dirty="0" smtClean="0"/>
+          </a:p>
+          <a:p>
+            <a:r>
+              <a:rPr lang="ru-RU" dirty="0" smtClean="0"/>
+              <a:t>Структурное тестирование (</a:t>
+            </a:r>
+            <a:r>
+              <a:rPr lang="ru-RU" dirty="0" err="1" smtClean="0"/>
+              <a:t>тестирование</a:t>
+            </a:r>
+            <a:r>
+              <a:rPr lang="ru-RU" dirty="0" smtClean="0"/>
+              <a:t> методом белого ящика) может выполняться на всех уровнях тестирования. Структурные методы тестирования лучше всего использовать после методов разработки тестов на основе спецификации, чтобы измерить тщательность тестирования, используя измерения покрытия структуры программы. Покрытие – это часть структуры программы, которая была охвачена тестированием, выраженная в процентах. </a:t>
+            </a:r>
+          </a:p>
+          <a:p>
+            <a:endParaRPr lang="ru-RU" dirty="0" smtClean="0"/>
+          </a:p>
+          <a:p>
+            <a:r>
+              <a:rPr lang="ru-RU" dirty="0" smtClean="0"/>
+              <a:t>Если покрытие не равно 100%, то необходимо разрабатывать дополнительные тесты для покрытия пропущенных участков программы.</a:t>
+            </a:r>
+          </a:p>
+          <a:p>
+            <a:endParaRPr lang="ru-RU" dirty="0" smtClean="0"/>
+          </a:p>
+          <a:p>
+            <a:r>
+              <a:rPr lang="ru-RU" dirty="0" smtClean="0"/>
+              <a:t>На всех уровнях тестирования могут использоваться инструментальные средства для измерения покрытия кода.</a:t>
+            </a:r>
+          </a:p>
+          <a:p>
+            <a:endParaRPr lang="ru-RU" dirty="0" smtClean="0"/>
+          </a:p>
+          <a:p>
+            <a:r>
+              <a:rPr lang="ru-RU" dirty="0" smtClean="0"/>
+              <a:t>Техника Белого ящика включает в себя следующие методы определения покрытия:</a:t>
+            </a:r>
+          </a:p>
+          <a:p>
+            <a:pPr>
+              <a:buFontTx/>
+              <a:buChar char="-"/>
+            </a:pPr>
+            <a:r>
+              <a:rPr lang="ru-RU" baseline="0" dirty="0" smtClean="0"/>
+              <a:t> п</a:t>
+            </a:r>
+            <a:r>
+              <a:rPr lang="ru-RU" dirty="0" smtClean="0"/>
+              <a:t>окрытие операторов</a:t>
+            </a:r>
+          </a:p>
+          <a:p>
+            <a:pPr>
+              <a:buFontTx/>
+              <a:buChar char="-"/>
+            </a:pPr>
+            <a:r>
+              <a:rPr lang="ru-RU" baseline="0" dirty="0" smtClean="0"/>
+              <a:t> покрытие решений</a:t>
+            </a:r>
+          </a:p>
+          <a:p>
+            <a:pPr>
+              <a:buFontTx/>
+              <a:buChar char="-"/>
+            </a:pPr>
+            <a:r>
+              <a:rPr lang="ru-RU" baseline="0" dirty="0" smtClean="0"/>
+              <a:t> покрытие условий</a:t>
+            </a:r>
+          </a:p>
+          <a:p>
+            <a:pPr>
+              <a:buFontTx/>
+              <a:buChar char="-"/>
+            </a:pPr>
+            <a:r>
+              <a:rPr lang="ru-RU" baseline="0" dirty="0" smtClean="0"/>
+              <a:t> комбинаторное покрытие условий</a:t>
+            </a:r>
+          </a:p>
+          <a:p>
+            <a:pPr>
+              <a:buFontTx/>
+              <a:buChar char="-"/>
+            </a:pPr>
+            <a:endParaRPr lang="ru-RU" baseline="0" dirty="0" smtClean="0"/>
+          </a:p>
+          <a:p>
+            <a:pPr rtl="0"/>
+            <a:r>
+              <a:rPr lang="ru-RU" b="1" dirty="0" smtClean="0"/>
+              <a:t>Покрытия операторов </a:t>
+            </a:r>
+            <a:r>
+              <a:rPr lang="ru-RU" dirty="0" smtClean="0"/>
+              <a:t>подразумевает </a:t>
+            </a:r>
+            <a:r>
+              <a:rPr lang="ru-RU" i="1" dirty="0" smtClean="0"/>
+              <a:t>выполнение каждого оператора</a:t>
+            </a:r>
+            <a:r>
+              <a:rPr lang="ru-RU" dirty="0" smtClean="0"/>
+              <a:t> программы по крайней мере один раз.</a:t>
+            </a:r>
+          </a:p>
+          <a:p>
+            <a:pPr rtl="0"/>
+            <a:r>
+              <a:rPr lang="ru-RU" dirty="0" smtClean="0"/>
+              <a:t>Рассмотрим пример:</a:t>
+            </a:r>
+          </a:p>
+          <a:p>
+            <a:pPr rtl="0"/>
+            <a:endParaRPr lang="ru-RU" dirty="0" smtClean="0"/>
+          </a:p>
+          <a:p>
+            <a:pPr>
+              <a:buFontTx/>
+              <a:buNone/>
+            </a:pPr>
+            <a:r>
+              <a:rPr lang="ru-RU" dirty="0" err="1" smtClean="0"/>
+              <a:t>void</a:t>
+            </a:r>
+            <a:r>
+              <a:rPr lang="ru-RU" dirty="0" smtClean="0"/>
+              <a:t> </a:t>
+            </a:r>
+            <a:r>
+              <a:rPr lang="ru-RU" dirty="0" err="1" smtClean="0"/>
+              <a:t>func</a:t>
+            </a:r>
+            <a:r>
+              <a:rPr lang="ru-RU" dirty="0" smtClean="0"/>
+              <a:t>(</a:t>
+            </a:r>
+            <a:r>
+              <a:rPr lang="ru-RU" dirty="0" err="1" smtClean="0"/>
+              <a:t>int</a:t>
+            </a:r>
+            <a:r>
+              <a:rPr lang="ru-RU" dirty="0" smtClean="0"/>
+              <a:t> </a:t>
+            </a:r>
+            <a:r>
+              <a:rPr lang="ru-RU" dirty="0" err="1" smtClean="0"/>
+              <a:t>a</a:t>
+            </a:r>
+            <a:r>
+              <a:rPr lang="ru-RU" dirty="0" smtClean="0"/>
+              <a:t>, </a:t>
+            </a:r>
+            <a:r>
+              <a:rPr lang="ru-RU" dirty="0" err="1" smtClean="0"/>
+              <a:t>int</a:t>
+            </a:r>
+            <a:r>
+              <a:rPr lang="ru-RU" dirty="0" smtClean="0"/>
+              <a:t> </a:t>
+            </a:r>
+            <a:r>
+              <a:rPr lang="ru-RU" dirty="0" err="1" smtClean="0"/>
+              <a:t>b</a:t>
+            </a:r>
+            <a:r>
+              <a:rPr lang="ru-RU" dirty="0" smtClean="0"/>
+              <a:t>, </a:t>
+            </a:r>
+            <a:r>
+              <a:rPr lang="ru-RU" dirty="0" err="1" smtClean="0"/>
+              <a:t>float</a:t>
+            </a:r>
+            <a:r>
+              <a:rPr lang="ru-RU" dirty="0" smtClean="0"/>
+              <a:t> </a:t>
+            </a:r>
+            <a:r>
+              <a:rPr lang="ru-RU" dirty="0" err="1" smtClean="0"/>
+              <a:t>x</a:t>
+            </a:r>
+            <a:r>
+              <a:rPr lang="ru-RU" dirty="0" smtClean="0"/>
+              <a:t>) </a:t>
+            </a:r>
+          </a:p>
+          <a:p>
+            <a:pPr>
+              <a:buFontTx/>
+              <a:buNone/>
+            </a:pPr>
+            <a:r>
+              <a:rPr lang="ru-RU" dirty="0" smtClean="0"/>
+              <a:t>{ </a:t>
+            </a:r>
+          </a:p>
+          <a:p>
+            <a:pPr>
+              <a:buFontTx/>
+              <a:buNone/>
+            </a:pPr>
+            <a:r>
+              <a:rPr lang="ru-RU" dirty="0" smtClean="0"/>
+              <a:t>	</a:t>
+            </a:r>
+            <a:r>
+              <a:rPr lang="ru-RU" dirty="0" err="1" smtClean="0"/>
+              <a:t>if</a:t>
+            </a:r>
+            <a:r>
+              <a:rPr lang="ru-RU" dirty="0" smtClean="0"/>
+              <a:t> ((</a:t>
+            </a:r>
+            <a:r>
+              <a:rPr lang="ru-RU" dirty="0" err="1" smtClean="0"/>
+              <a:t>a</a:t>
+            </a:r>
+            <a:r>
+              <a:rPr lang="ru-RU" dirty="0" smtClean="0"/>
+              <a:t> &gt; 1) &amp;&amp; (</a:t>
+            </a:r>
+            <a:r>
+              <a:rPr lang="ru-RU" dirty="0" err="1" smtClean="0"/>
+              <a:t>b</a:t>
+            </a:r>
+            <a:r>
+              <a:rPr lang="ru-RU" dirty="0" smtClean="0"/>
+              <a:t> == 0)) </a:t>
+            </a:r>
+          </a:p>
+          <a:p>
+            <a:pPr>
+              <a:buFontTx/>
+              <a:buNone/>
+            </a:pPr>
+            <a:r>
+              <a:rPr lang="ru-RU" dirty="0" smtClean="0"/>
+              <a:t>		</a:t>
+            </a:r>
+            <a:r>
+              <a:rPr lang="ru-RU" dirty="0" err="1" smtClean="0"/>
+              <a:t>x</a:t>
+            </a:r>
+            <a:r>
+              <a:rPr lang="ru-RU" dirty="0" smtClean="0"/>
+              <a:t> = </a:t>
+            </a:r>
+            <a:r>
+              <a:rPr lang="ru-RU" dirty="0" err="1" smtClean="0"/>
+              <a:t>x</a:t>
+            </a:r>
+            <a:r>
+              <a:rPr lang="ru-RU" dirty="0" smtClean="0"/>
+              <a:t>/</a:t>
+            </a:r>
+            <a:r>
+              <a:rPr lang="ru-RU" dirty="0" err="1" smtClean="0"/>
+              <a:t>a</a:t>
+            </a:r>
+            <a:r>
+              <a:rPr lang="ru-RU" dirty="0" smtClean="0"/>
+              <a:t>;</a:t>
+            </a:r>
+          </a:p>
+          <a:p>
+            <a:pPr>
+              <a:buFontTx/>
+              <a:buNone/>
+            </a:pPr>
+            <a:r>
+              <a:rPr lang="ru-RU" dirty="0" smtClean="0"/>
+              <a:t>	</a:t>
+            </a:r>
+            <a:r>
+              <a:rPr lang="ru-RU" dirty="0" err="1" smtClean="0"/>
+              <a:t>if</a:t>
+            </a:r>
+            <a:r>
+              <a:rPr lang="ru-RU" dirty="0" smtClean="0"/>
+              <a:t> (</a:t>
+            </a:r>
+            <a:r>
+              <a:rPr lang="ru-RU" dirty="0" err="1" smtClean="0"/>
+              <a:t>a</a:t>
+            </a:r>
+            <a:r>
+              <a:rPr lang="ru-RU" dirty="0" smtClean="0"/>
+              <a:t> == 2 || </a:t>
+            </a:r>
+            <a:r>
+              <a:rPr lang="ru-RU" dirty="0" err="1" smtClean="0"/>
+              <a:t>x</a:t>
+            </a:r>
+            <a:r>
+              <a:rPr lang="ru-RU" dirty="0" smtClean="0"/>
+              <a:t> &gt; 1) </a:t>
+            </a:r>
+          </a:p>
+          <a:p>
+            <a:pPr>
+              <a:buFontTx/>
+              <a:buNone/>
+            </a:pPr>
+            <a:r>
+              <a:rPr lang="ru-RU" dirty="0" smtClean="0"/>
+              <a:t>		</a:t>
+            </a:r>
+            <a:r>
+              <a:rPr lang="ru-RU" dirty="0" err="1" smtClean="0"/>
+              <a:t>x++</a:t>
+            </a:r>
+            <a:r>
+              <a:rPr lang="ru-RU" dirty="0" smtClean="0"/>
+              <a:t>;</a:t>
+            </a:r>
+          </a:p>
+          <a:p>
+            <a:pPr>
+              <a:buFontTx/>
+              <a:buNone/>
+            </a:pPr>
+            <a:r>
+              <a:rPr lang="ru-RU" dirty="0" smtClean="0"/>
+              <a:t>} </a:t>
+            </a:r>
+            <a:endParaRPr lang="en-US" dirty="0" smtClean="0"/>
+          </a:p>
+          <a:p>
+            <a:pPr rtl="0"/>
+            <a:r>
+              <a:rPr lang="ru-RU" dirty="0" smtClean="0"/>
+              <a:t>Чтобы выполнить каждый оператор не менее одного раза, нужно составить единственный тест со следующими значениями входных данных (</a:t>
+            </a:r>
+            <a:r>
+              <a:rPr lang="ru-RU" dirty="0" err="1" smtClean="0"/>
+              <a:t>a</a:t>
+            </a:r>
+            <a:r>
+              <a:rPr lang="ru-RU" dirty="0" smtClean="0"/>
+              <a:t> = 2 </a:t>
+            </a:r>
+            <a:r>
+              <a:rPr lang="ru-RU" dirty="0" err="1" smtClean="0"/>
+              <a:t>b</a:t>
+            </a:r>
+            <a:r>
+              <a:rPr lang="ru-RU" dirty="0" smtClean="0"/>
+              <a:t> = 0 </a:t>
+            </a:r>
+            <a:r>
+              <a:rPr lang="ru-RU" dirty="0" err="1" smtClean="0"/>
+              <a:t>x</a:t>
+            </a:r>
+            <a:r>
+              <a:rPr lang="ru-RU" dirty="0" smtClean="0"/>
+              <a:t> = 3).</a:t>
+            </a:r>
+          </a:p>
+          <a:p>
+            <a:pPr rtl="0"/>
+            <a:r>
+              <a:rPr lang="ru-RU" dirty="0" smtClean="0"/>
+              <a:t>Данный подход обладает недостатками. Вот, например, если в условии </a:t>
+            </a:r>
+            <a:r>
+              <a:rPr lang="ru-RU" dirty="0" err="1" smtClean="0"/>
+              <a:t>x</a:t>
+            </a:r>
+            <a:r>
+              <a:rPr lang="ru-RU" dirty="0" smtClean="0"/>
+              <a:t> </a:t>
+            </a:r>
+            <a:r>
+              <a:rPr lang="ru-RU" b="1" dirty="0" smtClean="0"/>
+              <a:t>&gt;</a:t>
+            </a:r>
+            <a:r>
+              <a:rPr lang="ru-RU" dirty="0" smtClean="0"/>
+              <a:t> 1 </a:t>
+            </a:r>
+            <a:r>
+              <a:rPr lang="ru-RU" dirty="0" smtClean="0">
+                <a:hlinkClick r:id="rId3" tooltip="Программист"/>
+              </a:rPr>
+              <a:t>программист</a:t>
+            </a:r>
+            <a:r>
+              <a:rPr lang="ru-RU" dirty="0" smtClean="0"/>
+              <a:t> допускает ошибку и пишет </a:t>
+            </a:r>
+            <a:r>
+              <a:rPr lang="ru-RU" dirty="0" err="1" smtClean="0"/>
+              <a:t>x</a:t>
+            </a:r>
+            <a:r>
+              <a:rPr lang="ru-RU" dirty="0" smtClean="0"/>
+              <a:t> </a:t>
+            </a:r>
+            <a:r>
+              <a:rPr lang="ru-RU" b="1" dirty="0" smtClean="0"/>
+              <a:t>&lt;</a:t>
+            </a:r>
+            <a:r>
+              <a:rPr lang="ru-RU" dirty="0" smtClean="0"/>
+              <a:t> 1 или </a:t>
+            </a:r>
+            <a:r>
+              <a:rPr lang="ru-RU" dirty="0" err="1" smtClean="0"/>
+              <a:t>x</a:t>
+            </a:r>
+            <a:r>
+              <a:rPr lang="ru-RU" dirty="0" smtClean="0"/>
+              <a:t> </a:t>
+            </a:r>
+            <a:r>
+              <a:rPr lang="ru-RU" b="1" dirty="0" smtClean="0"/>
+              <a:t>&gt; -</a:t>
+            </a:r>
+            <a:r>
+              <a:rPr lang="ru-RU" dirty="0" smtClean="0"/>
+              <a:t> 1, то с помощью нашего теста эта ошибка не будет обнаружена.</a:t>
+            </a:r>
+          </a:p>
+          <a:p>
+            <a:endParaRPr lang="ru-RU" dirty="0" smtClean="0"/>
+          </a:p>
+          <a:p>
+            <a:r>
+              <a:rPr lang="ru-RU" dirty="0" smtClean="0"/>
+              <a:t>Для </a:t>
+            </a:r>
+            <a:r>
+              <a:rPr lang="ru-RU" b="1" dirty="0" smtClean="0"/>
+              <a:t>покрытия методом решений </a:t>
+            </a:r>
+            <a:r>
+              <a:rPr lang="ru-RU" dirty="0" smtClean="0"/>
+              <a:t>необходимо составить такое число тестов, при которых каждое условие в программе примет как истинное значение, так и ложное значение.</a:t>
+            </a:r>
+          </a:p>
+          <a:p>
+            <a:r>
+              <a:rPr lang="ru-RU" dirty="0" smtClean="0"/>
+              <a:t>Например, </a:t>
+            </a:r>
+            <a:r>
+              <a:rPr lang="en-US" dirty="0" smtClean="0"/>
+              <a:t>a = </a:t>
+            </a:r>
+            <a:r>
+              <a:rPr lang="ru-RU" dirty="0" smtClean="0"/>
+              <a:t>3</a:t>
+            </a:r>
+            <a:r>
+              <a:rPr lang="en-US" dirty="0" smtClean="0"/>
+              <a:t>,</a:t>
+            </a:r>
+            <a:r>
+              <a:rPr lang="en-US" baseline="0" dirty="0" smtClean="0"/>
+              <a:t> b = 0, x = </a:t>
+            </a:r>
+            <a:r>
+              <a:rPr lang="ru-RU" baseline="0" dirty="0" smtClean="0"/>
+              <a:t>4 (условие </a:t>
+            </a:r>
+            <a:r>
+              <a:rPr lang="ru-RU" dirty="0" smtClean="0"/>
+              <a:t>((</a:t>
+            </a:r>
+            <a:r>
+              <a:rPr lang="ru-RU" dirty="0" err="1" smtClean="0"/>
+              <a:t>a</a:t>
+            </a:r>
+            <a:r>
+              <a:rPr lang="ru-RU" dirty="0" smtClean="0"/>
+              <a:t> &gt; 1) &amp;&amp; (</a:t>
+            </a:r>
+            <a:r>
+              <a:rPr lang="ru-RU" dirty="0" err="1" smtClean="0"/>
+              <a:t>b</a:t>
+            </a:r>
+            <a:r>
+              <a:rPr lang="ru-RU" dirty="0" smtClean="0"/>
+              <a:t> == 0)) будет истинно</a:t>
+            </a:r>
+            <a:r>
+              <a:rPr lang="ru-RU" baseline="0" dirty="0" smtClean="0"/>
+              <a:t> и условие </a:t>
+            </a:r>
+            <a:r>
+              <a:rPr lang="ru-RU" dirty="0" smtClean="0"/>
+              <a:t>((</a:t>
+            </a:r>
+            <a:r>
+              <a:rPr lang="ru-RU" dirty="0" err="1" smtClean="0"/>
+              <a:t>a</a:t>
+            </a:r>
+            <a:r>
+              <a:rPr lang="ru-RU" dirty="0" smtClean="0"/>
+              <a:t> == 2 )||( </a:t>
+            </a:r>
+            <a:r>
+              <a:rPr lang="ru-RU" dirty="0" err="1" smtClean="0"/>
+              <a:t>x</a:t>
+            </a:r>
+            <a:r>
+              <a:rPr lang="ru-RU" dirty="0" smtClean="0"/>
+              <a:t> &gt; 1)) будет истинно</a:t>
+            </a:r>
+            <a:r>
+              <a:rPr lang="ru-RU" baseline="0" dirty="0" smtClean="0"/>
+              <a:t>).</a:t>
+            </a:r>
+          </a:p>
+          <a:p>
+            <a:r>
+              <a:rPr lang="ru-RU" baseline="0" dirty="0" smtClean="0"/>
+              <a:t>И </a:t>
+            </a:r>
+            <a:r>
+              <a:rPr lang="en-US" dirty="0" smtClean="0"/>
+              <a:t>a = </a:t>
+            </a:r>
+            <a:r>
+              <a:rPr lang="ru-RU" dirty="0" smtClean="0"/>
+              <a:t>3</a:t>
+            </a:r>
+            <a:r>
+              <a:rPr lang="en-US" dirty="0" smtClean="0"/>
+              <a:t>,</a:t>
+            </a:r>
+            <a:r>
+              <a:rPr lang="en-US" baseline="0" dirty="0" smtClean="0"/>
+              <a:t> b = </a:t>
+            </a:r>
+            <a:r>
+              <a:rPr lang="ru-RU" baseline="0" dirty="0" smtClean="0"/>
+              <a:t>1</a:t>
+            </a:r>
+            <a:r>
+              <a:rPr lang="en-US" baseline="0" dirty="0" smtClean="0"/>
+              <a:t>, x = </a:t>
+            </a:r>
+            <a:r>
+              <a:rPr lang="ru-RU" baseline="0" dirty="0" smtClean="0"/>
+              <a:t>0 (условие </a:t>
+            </a:r>
+            <a:r>
+              <a:rPr lang="ru-RU" dirty="0" smtClean="0"/>
+              <a:t>((</a:t>
+            </a:r>
+            <a:r>
+              <a:rPr lang="ru-RU" dirty="0" err="1" smtClean="0"/>
+              <a:t>a</a:t>
+            </a:r>
+            <a:r>
+              <a:rPr lang="ru-RU" dirty="0" smtClean="0"/>
+              <a:t> &gt; 1) &amp;&amp; (</a:t>
+            </a:r>
+            <a:r>
+              <a:rPr lang="ru-RU" dirty="0" err="1" smtClean="0"/>
+              <a:t>b</a:t>
+            </a:r>
+            <a:r>
+              <a:rPr lang="ru-RU" dirty="0" smtClean="0"/>
+              <a:t> == 0)) будет ложно</a:t>
+            </a:r>
+            <a:r>
+              <a:rPr lang="ru-RU" baseline="0" dirty="0" smtClean="0"/>
+              <a:t> и условие </a:t>
+            </a:r>
+            <a:r>
+              <a:rPr lang="ru-RU" dirty="0" smtClean="0"/>
+              <a:t>((</a:t>
+            </a:r>
+            <a:r>
+              <a:rPr lang="ru-RU" dirty="0" err="1" smtClean="0"/>
+              <a:t>a</a:t>
+            </a:r>
+            <a:r>
+              <a:rPr lang="ru-RU" dirty="0" smtClean="0"/>
+              <a:t> == 2 )||( </a:t>
+            </a:r>
+            <a:r>
+              <a:rPr lang="ru-RU" dirty="0" err="1" smtClean="0"/>
+              <a:t>x</a:t>
+            </a:r>
+            <a:r>
+              <a:rPr lang="ru-RU" dirty="0" smtClean="0"/>
+              <a:t> &gt; 1)) будет ложно</a:t>
+            </a:r>
+            <a:r>
+              <a:rPr lang="ru-RU" baseline="0" dirty="0" smtClean="0"/>
+              <a:t>).</a:t>
+            </a:r>
+          </a:p>
+          <a:p>
+            <a:r>
+              <a:rPr lang="ru-RU" baseline="0" dirty="0" smtClean="0"/>
+              <a:t>Если программист ошибется в условии </a:t>
+            </a:r>
+            <a:r>
+              <a:rPr lang="en-US" baseline="0" dirty="0" smtClean="0"/>
+              <a:t>a==2</a:t>
+            </a:r>
+            <a:r>
+              <a:rPr lang="ru-RU" baseline="0" dirty="0" smtClean="0"/>
+              <a:t>, то с помощью наших тестов ошибка опять же не будет обнаружена.</a:t>
+            </a:r>
+          </a:p>
+          <a:p>
+            <a:endParaRPr lang="ru-RU" baseline="0" dirty="0" smtClean="0"/>
+          </a:p>
+          <a:p>
+            <a:r>
+              <a:rPr lang="ru-RU" baseline="0" dirty="0" smtClean="0"/>
+              <a:t>Для </a:t>
+            </a:r>
+            <a:r>
+              <a:rPr lang="ru-RU" b="1" baseline="0" dirty="0" smtClean="0"/>
+              <a:t>покрытия условий</a:t>
+            </a:r>
+            <a:r>
+              <a:rPr lang="ru-RU" baseline="0" dirty="0" smtClean="0"/>
+              <a:t>, все условия (</a:t>
+            </a:r>
+            <a:r>
+              <a:rPr lang="en-US" baseline="0" dirty="0" smtClean="0"/>
+              <a:t>a&gt;1, b==0, a==2, x&gt;1</a:t>
+            </a:r>
+            <a:r>
+              <a:rPr lang="ru-RU" baseline="0" dirty="0" smtClean="0"/>
+              <a:t>)</a:t>
+            </a:r>
+            <a:r>
+              <a:rPr lang="en-US" baseline="0" dirty="0" smtClean="0"/>
+              <a:t> </a:t>
+            </a:r>
+            <a:r>
+              <a:rPr lang="ru-RU" baseline="0" dirty="0" smtClean="0"/>
+              <a:t>должны принимать и ложное, и истинное значения.</a:t>
+            </a:r>
+          </a:p>
+          <a:p>
+            <a:r>
+              <a:rPr lang="en-US" baseline="0" dirty="0" smtClean="0"/>
+              <a:t>a=2,  b=</a:t>
+            </a:r>
+            <a:r>
+              <a:rPr lang="ru-RU" baseline="0" dirty="0" smtClean="0"/>
+              <a:t>1</a:t>
+            </a:r>
+            <a:r>
+              <a:rPr lang="en-US" baseline="0" dirty="0" smtClean="0"/>
+              <a:t>, x=2</a:t>
+            </a:r>
+          </a:p>
+          <a:p>
+            <a:pPr marL="0" marR="0" indent="0" algn="l" defTabSz="914400" rtl="0" eaLnBrk="1" fontAlgn="auto" latinLnBrk="0" hangingPunct="1">
+              <a:lnSpc>
+                <a:spcPct val="100000"/>
+              </a:lnSpc>
+              <a:spcBef>
+                <a:spcPts val="0"/>
+              </a:spcBef>
+              <a:spcAft>
+                <a:spcPts val="0"/>
+              </a:spcAft>
+              <a:buClrTx/>
+              <a:buSzTx/>
+              <a:buFontTx/>
+              <a:buNone/>
+              <a:tabLst/>
+              <a:defRPr/>
+            </a:pPr>
+            <a:r>
+              <a:rPr lang="en-US" baseline="0" dirty="0" smtClean="0"/>
+              <a:t>a=0,  b=</a:t>
+            </a:r>
+            <a:r>
+              <a:rPr lang="ru-RU" baseline="0" dirty="0" smtClean="0"/>
+              <a:t>0</a:t>
+            </a:r>
+            <a:r>
+              <a:rPr lang="en-US" baseline="0" dirty="0" smtClean="0"/>
+              <a:t>, x=0</a:t>
+            </a:r>
+          </a:p>
+          <a:p>
+            <a:pPr marL="0" marR="0" indent="0" algn="l" defTabSz="914400" rtl="0" eaLnBrk="1" fontAlgn="auto" latinLnBrk="0" hangingPunct="1">
+              <a:lnSpc>
+                <a:spcPct val="100000"/>
+              </a:lnSpc>
+              <a:spcBef>
+                <a:spcPts val="0"/>
+              </a:spcBef>
+              <a:spcAft>
+                <a:spcPts val="0"/>
+              </a:spcAft>
+              <a:buClrTx/>
+              <a:buSzTx/>
+              <a:buFontTx/>
+              <a:buNone/>
+              <a:tabLst/>
+              <a:defRPr/>
+            </a:pPr>
+            <a:r>
+              <a:rPr lang="ru-RU" baseline="0" dirty="0" smtClean="0"/>
+              <a:t>При таком подходе, некоторые операторы могут не выполниться ни разу. Для более полного теста необходимо добавлять, что все операторы должны выполниться хотя бы один раз (</a:t>
+            </a:r>
+            <a:r>
+              <a:rPr lang="ru-RU" b="1" baseline="0" dirty="0" smtClean="0"/>
+              <a:t>комбинаторное покрытие условий</a:t>
+            </a:r>
+            <a:r>
+              <a:rPr lang="ru-RU" baseline="0" dirty="0" smtClean="0"/>
+              <a:t>).</a:t>
+            </a:r>
+          </a:p>
+          <a:p>
+            <a:pPr marL="0" marR="0" indent="0" algn="l" defTabSz="914400" rtl="0" eaLnBrk="1" fontAlgn="auto" latinLnBrk="0" hangingPunct="1">
+              <a:lnSpc>
+                <a:spcPct val="100000"/>
+              </a:lnSpc>
+              <a:spcBef>
+                <a:spcPts val="0"/>
+              </a:spcBef>
+              <a:spcAft>
+                <a:spcPts val="0"/>
+              </a:spcAft>
+              <a:buClrTx/>
+              <a:buSzTx/>
+              <a:buFontTx/>
+              <a:buNone/>
+              <a:tabLst/>
+              <a:defRPr/>
+            </a:pPr>
+            <a:endParaRPr lang="en-US" baseline="0" dirty="0" smtClean="0"/>
           </a:p>
           <a:p>
             <a:endParaRPr lang="ru-RU" dirty="0"/>
@@ -2360,6 +3463,368 @@
 </file>
 
 <file path=ppt/notesSlides/notesSlide5.xml><?xml version="1.0" encoding="utf-8"?>
+<p:notes xmlns:a="http://schemas.openxmlformats.org/drawingml/2006/main" xmlns:r="http://schemas.openxmlformats.org/officeDocument/2006/relationships" xmlns:p="http://schemas.openxmlformats.org/presentationml/2006/main">
+  <p:cSld>
+    <p:spTree>
+      <p:nvGrpSpPr>
+        <p:cNvPr id="1" name=""/>
+        <p:cNvGrpSpPr/>
+        <p:nvPr/>
+      </p:nvGrpSpPr>
+      <p:grpSpPr>
+        <a:xfrm>
+          <a:off x="0" y="0"/>
+          <a:ext cx="0" cy="0"/>
+          <a:chOff x="0" y="0"/>
+          <a:chExt cx="0" cy="0"/>
+        </a:xfrm>
+      </p:grpSpPr>
+      <p:sp>
+        <p:nvSpPr>
+          <p:cNvPr id="2" name="Образ слайда 1"/>
+          <p:cNvSpPr>
+            <a:spLocks noGrp="1" noRot="1" noChangeAspect="1"/>
+          </p:cNvSpPr>
+          <p:nvPr>
+            <p:ph type="sldImg"/>
+          </p:nvPr>
+        </p:nvSpPr>
+        <p:spPr/>
+      </p:sp>
+      <p:sp>
+        <p:nvSpPr>
+          <p:cNvPr id="3" name="Заметки 2"/>
+          <p:cNvSpPr>
+            <a:spLocks noGrp="1"/>
+          </p:cNvSpPr>
+          <p:nvPr>
+            <p:ph type="body" idx="1"/>
+          </p:nvPr>
+        </p:nvSpPr>
+        <p:spPr/>
+        <p:txBody>
+          <a:bodyPr>
+            <a:normAutofit lnSpcReduction="10000"/>
+          </a:bodyPr>
+          <a:lstStyle/>
+          <a:p>
+            <a:r>
+              <a:rPr lang="ru-RU" dirty="0" smtClean="0"/>
+              <a:t>После того, как дефект обнаружен и исправлен, программу необходимо перепроверить, чтобы убедиться, что исходный дефект успешно устранен. Это называется подтверждением. </a:t>
+            </a:r>
+          </a:p>
+          <a:p>
+            <a:endParaRPr lang="ru-RU" dirty="0" smtClean="0"/>
+          </a:p>
+          <a:p>
+            <a:r>
+              <a:rPr lang="ru-RU" dirty="0" smtClean="0"/>
+              <a:t>Отладка (локализация и исправление дефекта) относится к процессу разработки, а не тестирования. </a:t>
+            </a:r>
+          </a:p>
+          <a:p>
+            <a:endParaRPr lang="ru-RU" dirty="0" smtClean="0"/>
+          </a:p>
+          <a:p>
+            <a:r>
+              <a:rPr lang="ru-RU" dirty="0" smtClean="0"/>
+              <a:t>Регрессионное тестирование – это повторное тестирование уже протестированных программ после внесения в них изменений, чтобы обнаружить дефекты, внесенные или пропущенные  в результате этих действий. </a:t>
+            </a:r>
+          </a:p>
+          <a:p>
+            <a:endParaRPr lang="ru-RU" dirty="0" smtClean="0"/>
+          </a:p>
+          <a:p>
+            <a:r>
+              <a:rPr lang="ru-RU" dirty="0" smtClean="0"/>
+              <a:t>Эти дефекты могут быть как в проверяемом компоненте, так и в связанном или несвязанным с ним. </a:t>
+            </a:r>
+          </a:p>
+          <a:p>
+            <a:endParaRPr lang="ru-RU" dirty="0" smtClean="0"/>
+          </a:p>
+          <a:p>
+            <a:r>
+              <a:rPr lang="ru-RU" dirty="0" smtClean="0"/>
+              <a:t>Регрессионное тестирование выполняется, когда в программное обеспечение или его окружение вносятся изменения. </a:t>
+            </a:r>
+          </a:p>
+          <a:p>
+            <a:r>
+              <a:rPr lang="ru-RU" dirty="0" smtClean="0"/>
+              <a:t>Глубина регрессионного тестирования оценивается риском пропуска  дефектов в программном обеспечении, которое работало ранее.</a:t>
+            </a:r>
+          </a:p>
+          <a:p>
+            <a:r>
+              <a:rPr lang="ru-RU" dirty="0" smtClean="0"/>
+              <a:t>Тесты должны быть повторяемыми, если они должны использоваться для подтверждающего или регрессионного тестирования. </a:t>
+            </a:r>
+          </a:p>
+          <a:p>
+            <a:endParaRPr lang="ru-RU" dirty="0" smtClean="0"/>
+          </a:p>
+          <a:p>
+            <a:r>
+              <a:rPr lang="ru-RU" dirty="0" smtClean="0"/>
+              <a:t>Регрессионное тестирование может выполняться на всех уровнях тестирования и включает функциональное, нефункциональное и структурное тестирование. </a:t>
+            </a:r>
+          </a:p>
+          <a:p>
+            <a:endParaRPr lang="ru-RU" dirty="0" smtClean="0"/>
+          </a:p>
+          <a:p>
+            <a:r>
+              <a:rPr lang="ru-RU" dirty="0" smtClean="0"/>
+              <a:t>Регрессионные наборы тестов запускаются множество раз и меняются медленно, поэтому регрессионное тестирование является хорошим кандидатом на автоматизацию.</a:t>
+            </a:r>
+          </a:p>
+          <a:p>
+            <a:endParaRPr lang="ru-RU" dirty="0" smtClean="0"/>
+          </a:p>
+          <a:p>
+            <a:r>
+              <a:rPr lang="ru-RU" dirty="0" smtClean="0"/>
+              <a:t>Разновидности</a:t>
+            </a:r>
+            <a:r>
+              <a:rPr lang="ru-RU" baseline="0" dirty="0" smtClean="0"/>
+              <a:t> регрессионного тестирования:</a:t>
+            </a:r>
+            <a:endParaRPr lang="ru-RU" dirty="0" smtClean="0"/>
+          </a:p>
+          <a:p>
+            <a:r>
+              <a:rPr lang="ru-RU" dirty="0" smtClean="0"/>
+              <a:t>	Дымовое тестирование – поверхностная проверка того, что основные функции системы работают. </a:t>
+            </a:r>
+            <a:endParaRPr lang="en-US" dirty="0" smtClean="0"/>
+          </a:p>
+          <a:p>
+            <a:r>
+              <a:rPr lang="ru-RU" dirty="0" smtClean="0"/>
+              <a:t>	Санитарное тестирование – проверка того, что какая-либо</a:t>
+            </a:r>
+            <a:r>
+              <a:rPr lang="ru-RU" baseline="0" dirty="0" smtClean="0"/>
+              <a:t> функция системы работает как следует.</a:t>
+            </a:r>
+          </a:p>
+          <a:p>
+            <a:r>
+              <a:rPr lang="ru-RU" baseline="0" dirty="0" smtClean="0"/>
+              <a:t>	Регрессионное тестирование по дефектам, которые были исправлены в тестируемой версии ПО</a:t>
+            </a:r>
+          </a:p>
+          <a:p>
+            <a:pPr marL="0" marR="0" indent="0" algn="l" defTabSz="914400" rtl="0" eaLnBrk="1" fontAlgn="auto" latinLnBrk="0" hangingPunct="1">
+              <a:lnSpc>
+                <a:spcPct val="100000"/>
+              </a:lnSpc>
+              <a:spcBef>
+                <a:spcPts val="0"/>
+              </a:spcBef>
+              <a:spcAft>
+                <a:spcPts val="0"/>
+              </a:spcAft>
+              <a:buClrTx/>
+              <a:buSzTx/>
+              <a:buFontTx/>
+              <a:buNone/>
+              <a:tabLst/>
+              <a:defRPr/>
+            </a:pPr>
+            <a:r>
+              <a:rPr lang="ru-RU" baseline="0" dirty="0" smtClean="0"/>
+              <a:t>	</a:t>
+            </a:r>
+            <a:r>
+              <a:rPr lang="ru-RU" baseline="0" dirty="0" smtClean="0"/>
+              <a:t>Регрессионное тестирование по дефектам, которые были исправлены в предыдущих версиях ПО</a:t>
+            </a:r>
+          </a:p>
+          <a:p>
+            <a:r>
+              <a:rPr lang="ru-RU" baseline="0" dirty="0" smtClean="0"/>
+              <a:t>	Тестирование побочного эффекта – проверка того, что исправление ошибок в определенной функциональности не повлекло за собой новых ошибок в работе данной функциональности.</a:t>
+            </a:r>
+          </a:p>
+          <a:p>
+            <a:r>
+              <a:rPr lang="ru-RU" baseline="0" dirty="0" smtClean="0"/>
+              <a:t>	</a:t>
+            </a:r>
+            <a:endParaRPr lang="en-US" dirty="0" smtClean="0"/>
+          </a:p>
+          <a:p>
+            <a:endParaRPr lang="ru-RU" dirty="0"/>
+          </a:p>
+        </p:txBody>
+      </p:sp>
+      <p:sp>
+        <p:nvSpPr>
+          <p:cNvPr id="4" name="Номер слайда 3"/>
+          <p:cNvSpPr>
+            <a:spLocks noGrp="1"/>
+          </p:cNvSpPr>
+          <p:nvPr>
+            <p:ph type="sldNum" sz="quarter" idx="10"/>
+          </p:nvPr>
+        </p:nvSpPr>
+        <p:spPr/>
+        <p:txBody>
+          <a:bodyPr/>
+          <a:lstStyle/>
+          <a:p>
+            <a:fld id="{D75B0C5A-EE92-4E92-8F5B-10699705BBE2}" type="slidenum">
+              <a:rPr lang="en-US" smtClean="0"/>
+              <a:pPr/>
+              <a:t>8</a:t>
+            </a:fld>
+            <a:endParaRPr lang="en-US"/>
+          </a:p>
+        </p:txBody>
+      </p:sp>
+    </p:spTree>
+  </p:cSld>
+  <p:clrMapOvr>
+    <a:masterClrMapping/>
+  </p:clrMapOvr>
+</p:notes>
+</file>
+
+<file path=ppt/notesSlides/notesSlide6.xml><?xml version="1.0" encoding="utf-8"?>
+<p:notes xmlns:a="http://schemas.openxmlformats.org/drawingml/2006/main" xmlns:r="http://schemas.openxmlformats.org/officeDocument/2006/relationships" xmlns:p="http://schemas.openxmlformats.org/presentationml/2006/main">
+  <p:cSld>
+    <p:spTree>
+      <p:nvGrpSpPr>
+        <p:cNvPr id="1" name=""/>
+        <p:cNvGrpSpPr/>
+        <p:nvPr/>
+      </p:nvGrpSpPr>
+      <p:grpSpPr>
+        <a:xfrm>
+          <a:off x="0" y="0"/>
+          <a:ext cx="0" cy="0"/>
+          <a:chOff x="0" y="0"/>
+          <a:chExt cx="0" cy="0"/>
+        </a:xfrm>
+      </p:grpSpPr>
+      <p:sp>
+        <p:nvSpPr>
+          <p:cNvPr id="2" name="Образ слайда 1"/>
+          <p:cNvSpPr>
+            <a:spLocks noGrp="1" noRot="1" noChangeAspect="1"/>
+          </p:cNvSpPr>
+          <p:nvPr>
+            <p:ph type="sldImg"/>
+          </p:nvPr>
+        </p:nvSpPr>
+        <p:spPr/>
+      </p:sp>
+      <p:sp>
+        <p:nvSpPr>
+          <p:cNvPr id="3" name="Заметки 2"/>
+          <p:cNvSpPr>
+            <a:spLocks noGrp="1"/>
+          </p:cNvSpPr>
+          <p:nvPr>
+            <p:ph type="body" idx="1"/>
+          </p:nvPr>
+        </p:nvSpPr>
+        <p:spPr/>
+        <p:txBody>
+          <a:bodyPr>
+            <a:normAutofit fontScale="92500" lnSpcReduction="20000"/>
+          </a:bodyPr>
+          <a:lstStyle/>
+          <a:p>
+            <a:r>
+              <a:rPr lang="ru-RU" dirty="0" smtClean="0"/>
+              <a:t>После установки система программного обеспечения обычно находится в эксплуатации в течение многих лет. В это время сама система, ее конфигурация или среда исполнения часто изменяются или расширяются. </a:t>
+            </a:r>
+          </a:p>
+          <a:p>
+            <a:r>
+              <a:rPr lang="ru-RU" dirty="0" smtClean="0"/>
+              <a:t>Тестирование в период сопровождения выполняется на текущей ОС и может быть вызвано модификацией, переносом или прекращение эксплуатации данной системы. </a:t>
+            </a:r>
+          </a:p>
+          <a:p>
+            <a:endParaRPr lang="ru-RU" dirty="0" smtClean="0"/>
+          </a:p>
+          <a:p>
+            <a:r>
+              <a:rPr lang="ru-RU" dirty="0" smtClean="0"/>
+              <a:t>В зависимости от вносимых изменений, тестирование в период сопровождения может проводиться на любом из уровней или видов тестирования. Определение, каким образом внесенные изменения могут повлиять на систему, называется анализом влияния (</a:t>
+            </a:r>
+            <a:r>
+              <a:rPr lang="en-US" dirty="0" smtClean="0"/>
+              <a:t>impact analysis</a:t>
+            </a:r>
+            <a:r>
+              <a:rPr lang="ru-RU" dirty="0" smtClean="0"/>
+              <a:t>) и используется при определении объема регрессионных тестов.  </a:t>
+            </a:r>
+            <a:endParaRPr lang="en-US" dirty="0" smtClean="0"/>
+          </a:p>
+          <a:p>
+            <a:endParaRPr lang="en-US" smtClean="0"/>
+          </a:p>
+          <a:p>
+            <a:r>
+              <a:rPr lang="ru-RU" smtClean="0"/>
+              <a:t>Тестирование </a:t>
+            </a:r>
+            <a:r>
+              <a:rPr lang="ru-RU" dirty="0" smtClean="0"/>
+              <a:t>в период сопровождения затруднено, если технические требования являются устаревшими или отсутствуют вообще, либо </a:t>
+            </a:r>
+            <a:r>
+              <a:rPr lang="ru-RU" dirty="0" err="1" smtClean="0"/>
+              <a:t>тестировщики</a:t>
+            </a:r>
+            <a:r>
+              <a:rPr lang="ru-RU" dirty="0" smtClean="0"/>
+              <a:t> не обладают достаточными знаниями предметной области.</a:t>
+            </a:r>
+            <a:endParaRPr lang="ru-RU" dirty="0"/>
+          </a:p>
+        </p:txBody>
+      </p:sp>
+      <p:sp>
+        <p:nvSpPr>
+          <p:cNvPr id="4" name="Номер слайда 3"/>
+          <p:cNvSpPr>
+            <a:spLocks noGrp="1"/>
+          </p:cNvSpPr>
+          <p:nvPr>
+            <p:ph type="sldNum" sz="quarter" idx="10"/>
+          </p:nvPr>
+        </p:nvSpPr>
+        <p:spPr/>
+        <p:txBody>
+          <a:bodyPr/>
+          <a:lstStyle/>
+          <a:p>
+            <a:fld id="{D75B0C5A-EE92-4E92-8F5B-10699705BBE2}" type="slidenum">
+              <a:rPr lang="en-US" smtClean="0"/>
+              <a:pPr/>
+              <a:t>9</a:t>
+            </a:fld>
+            <a:endParaRPr lang="en-US"/>
+          </a:p>
+        </p:txBody>
+      </p:sp>
+    </p:spTree>
+  </p:cSld>
+  <p:clrMapOvr>
+    <a:masterClrMapping/>
+  </p:clrMapOvr>
+</p:notes>
+</file>
+
+<file path=ppt/notesSlides/notesSlide7.xml><?xml version="1.0" encoding="utf-8"?>
 <p:notes xmlns:a="http://schemas.openxmlformats.org/drawingml/2006/main" xmlns:r="http://schemas.openxmlformats.org/officeDocument/2006/relationships" xmlns:p="http://schemas.openxmlformats.org/presentationml/2006/main">
   <p:cSld>
     <p:spTree>

--- a/inna/Занятие 3.pptx
+++ b/inna/Занятие 3.pptx
@@ -118,7 +118,7 @@
   </p:defaultTextStyle>
   <p:extLst>
     <p:ext uri="{EFAFB233-063F-42B5-8137-9DF3F51BA10A}">
-      <p15:sldGuideLst xmlns:p15="http://schemas.microsoft.com/office/powerpoint/2012/main" xmlns="">
+      <p15:sldGuideLst xmlns="" xmlns:p15="http://schemas.microsoft.com/office/powerpoint/2012/main">
         <p15:guide id="1" orient="horz" pos="2160">
           <p15:clr>
             <a:srgbClr val="A4A3A4"/>
@@ -218,7 +218,7 @@
             <a:fld id="{7FCDCAFE-ED6D-40DE-BB2A-6C2FAE0E1B23}" type="datetimeFigureOut">
               <a:rPr lang="en-US" smtClean="0"/>
               <a:pPr/>
-              <a:t>11-Jan-15</a:t>
+              <a:t>12-Jan-15</a:t>
             </a:fld>
             <a:endParaRPr lang="en-US"/>
           </a:p>
@@ -387,7 +387,7 @@
     </p:spTree>
     <p:extLst>
       <p:ext uri="{BB962C8B-B14F-4D97-AF65-F5344CB8AC3E}">
-        <p14:creationId xmlns:p14="http://schemas.microsoft.com/office/powerpoint/2010/main" xmlns="" val="616035265"/>
+        <p14:creationId xmlns="" xmlns:p14="http://schemas.microsoft.com/office/powerpoint/2010/main" val="616035265"/>
       </p:ext>
     </p:extLst>
   </p:cSld>
@@ -576,11 +576,7 @@
           <a:p>
             <a:r>
               <a:rPr lang="ru-RU" dirty="0" smtClean="0"/>
-              <a:t>• </a:t>
-            </a:r>
-            <a:r>
-              <a:rPr lang="ru-RU" dirty="0" smtClean="0"/>
-              <a:t>Подтверждение изменений, т.е. подтверждение, что дефект был исправлен (подтверждающее тестирование) и поиск непреднамеренных изменений (регрессионное тестирование) </a:t>
+              <a:t>• Подтверждение изменений, т.е. подтверждение, что дефект был исправлен (подтверждающее тестирование) и поиск непреднамеренных изменений (регрессионное тестирование) </a:t>
             </a:r>
             <a:endParaRPr lang="ru-RU" dirty="0"/>
           </a:p>
@@ -759,21 +755,13 @@
           <a:p>
             <a:r>
               <a:rPr lang="ru-RU" dirty="0" smtClean="0"/>
-              <a:t>• </a:t>
-            </a:r>
-            <a:r>
-              <a:rPr lang="ru-RU" dirty="0" smtClean="0"/>
-              <a:t>требования</a:t>
-            </a:r>
-          </a:p>
-          <a:p>
-            <a:r>
-              <a:rPr lang="ru-RU" dirty="0" smtClean="0"/>
-              <a:t>• </a:t>
-            </a:r>
-            <a:r>
-              <a:rPr lang="ru-RU" dirty="0" smtClean="0"/>
-              <a:t>бизнес-процессы</a:t>
+              <a:t>• требования</a:t>
+            </a:r>
+          </a:p>
+          <a:p>
+            <a:r>
+              <a:rPr lang="ru-RU" dirty="0" smtClean="0"/>
+              <a:t>• бизнес-процессы</a:t>
             </a:r>
           </a:p>
           <a:p>
@@ -908,31 +896,19 @@
           <a:p>
             <a:r>
               <a:rPr lang="ru-RU" dirty="0" smtClean="0"/>
-              <a:t>• </a:t>
-            </a:r>
-            <a:r>
-              <a:rPr lang="ru-RU" dirty="0" smtClean="0"/>
-              <a:t>конфиденциальность</a:t>
-            </a:r>
-          </a:p>
-          <a:p>
-            <a:r>
-              <a:rPr lang="ru-RU" dirty="0" smtClean="0"/>
-              <a:t>• </a:t>
-            </a:r>
-            <a:r>
-              <a:rPr lang="ru-RU" dirty="0" smtClean="0"/>
-              <a:t>целостность</a:t>
-            </a:r>
-          </a:p>
-          <a:p>
-            <a:r>
-              <a:rPr lang="ru-RU" dirty="0" smtClean="0"/>
-              <a:t>• </a:t>
-            </a:r>
-            <a:r>
-              <a:rPr lang="ru-RU" dirty="0" smtClean="0"/>
-              <a:t>доступность</a:t>
+              <a:t>• конфиденциальность</a:t>
+            </a:r>
+          </a:p>
+          <a:p>
+            <a:r>
+              <a:rPr lang="ru-RU" dirty="0" smtClean="0"/>
+              <a:t>• целостность</a:t>
+            </a:r>
+          </a:p>
+          <a:p>
+            <a:r>
+              <a:rPr lang="ru-RU" dirty="0" smtClean="0"/>
+              <a:t>• доступность</a:t>
             </a:r>
           </a:p>
           <a:p>
@@ -3636,11 +3612,7 @@
             </a:pPr>
             <a:r>
               <a:rPr lang="ru-RU" baseline="0" dirty="0" smtClean="0"/>
-              <a:t>	</a:t>
-            </a:r>
-            <a:r>
-              <a:rPr lang="ru-RU" baseline="0" dirty="0" smtClean="0"/>
-              <a:t>Регрессионное тестирование по дефектам, которые были исправлены в предыдущих версиях ПО</a:t>
+              <a:t>	Регрессионное тестирование по дефектам, которые были исправлены в предыдущих версиях ПО</a:t>
             </a:r>
           </a:p>
           <a:p>
@@ -3879,7 +3851,18 @@
                 <a:ea typeface="+mn-ea"/>
                 <a:cs typeface="+mn-cs"/>
               </a:rPr>
-              <a:t>TEST2</a:t>
+              <a:t>TEST</a:t>
+            </a:r>
+            <a:r>
+              <a:rPr lang="ru-RU" sz="1200" b="0" i="0" kern="1200" dirty="0" smtClean="0">
+                <a:solidFill>
+                  <a:schemeClr val="tx1"/>
+                </a:solidFill>
+                <a:latin typeface="+mn-lt"/>
+                <a:ea typeface="+mn-ea"/>
+                <a:cs typeface="+mn-cs"/>
+              </a:rPr>
+              <a:t>3</a:t>
             </a:r>
             <a:endParaRPr lang="ru-RU" sz="1200" b="0" i="0" kern="1200" dirty="0" smtClean="0">
               <a:solidFill>
@@ -3930,8 +3913,16 @@
                 <a:ea typeface="+mn-ea"/>
                 <a:cs typeface="+mn-cs"/>
               </a:rPr>
-              <a:t>Which of the following statements is MOST OFTEN true?</a:t>
-            </a:r>
+              <a:t>Which of the following requirements would be tested by a functional system test?</a:t>
+            </a:r>
+            <a:endParaRPr lang="ru-RU" sz="1200" b="0" i="0" kern="1200" dirty="0" smtClean="0">
+              <a:solidFill>
+                <a:schemeClr val="tx1"/>
+              </a:solidFill>
+              <a:latin typeface="+mn-lt"/>
+              <a:ea typeface="+mn-ea"/>
+              <a:cs typeface="+mn-cs"/>
+            </a:endParaRPr>
           </a:p>
           <a:p>
             <a:r>
@@ -3950,7 +3941,18 @@
                 <a:ea typeface="+mn-ea"/>
                 <a:cs typeface="+mn-cs"/>
               </a:rPr>
-              <a:t>A Source-code inspections are often used in component testing.</a:t>
+              <a:t>A The system must be able to perform its functions for an average of 23 hours 50 </a:t>
+            </a:r>
+            <a:r>
+              <a:rPr lang="en-US" sz="1200" b="0" i="0" kern="1200" dirty="0" err="1" smtClean="0">
+                <a:solidFill>
+                  <a:schemeClr val="tx1"/>
+                </a:solidFill>
+                <a:latin typeface="+mn-lt"/>
+                <a:ea typeface="+mn-ea"/>
+                <a:cs typeface="+mn-cs"/>
+              </a:rPr>
+              <a:t>mins</a:t>
             </a:r>
             <a:r>
               <a:rPr lang="en-US" dirty="0" smtClean="0"/>
@@ -3968,7 +3970,7 @@
                 <a:ea typeface="+mn-ea"/>
                 <a:cs typeface="+mn-cs"/>
               </a:rPr>
-              <a:t>B Component testing searches for defects in programs that are separately testable.</a:t>
+              <a:t>per day.</a:t>
             </a:r>
             <a:r>
               <a:rPr lang="en-US" dirty="0" smtClean="0"/>
@@ -3986,7 +3988,7 @@
                 <a:ea typeface="+mn-ea"/>
                 <a:cs typeface="+mn-cs"/>
               </a:rPr>
-              <a:t>C Component testing is an important part of user acceptance testing.</a:t>
+              <a:t>B The system must perform adequately for up to 30 users.</a:t>
             </a:r>
             <a:r>
               <a:rPr lang="en-US" dirty="0" smtClean="0"/>
@@ -4004,7 +4006,7 @@
                 <a:ea typeface="+mn-ea"/>
                 <a:cs typeface="+mn-cs"/>
               </a:rPr>
-              <a:t>D Component testing aims to expose problems in the interactions between software and</a:t>
+              <a:t>C The system must allow a user to amend the address of a customer.</a:t>
             </a:r>
             <a:r>
               <a:rPr lang="en-US" dirty="0" smtClean="0"/>
@@ -4022,8 +4024,16 @@
                 <a:ea typeface="+mn-ea"/>
                 <a:cs typeface="+mn-cs"/>
               </a:rPr>
-              <a:t>hardware components.</a:t>
-            </a:r>
+              <a:t>D The system must allow 12,000 new customers per year.</a:t>
+            </a:r>
+            <a:endParaRPr lang="ru-RU" sz="1200" b="0" i="0" kern="1200" dirty="0" smtClean="0">
+              <a:solidFill>
+                <a:schemeClr val="tx1"/>
+              </a:solidFill>
+              <a:latin typeface="+mn-lt"/>
+              <a:ea typeface="+mn-ea"/>
+              <a:cs typeface="+mn-cs"/>
+            </a:endParaRPr>
           </a:p>
           <a:p>
             <a:endParaRPr lang="en-US" sz="1200" b="0" i="0" kern="1200" dirty="0" smtClean="0">
@@ -4078,10 +4088,8 @@
                 <a:ea typeface="+mn-ea"/>
                 <a:cs typeface="+mn-cs"/>
               </a:rPr>
-              <a:t>What is the objective of debugging?</a:t>
-            </a:r>
-          </a:p>
-          <a:p>
+              <a:t>Considering the following pseudo-code, calculate the MINIMUM number of test cases</a:t>
+            </a:r>
             <a:r>
               <a:rPr lang="en-US" dirty="0" smtClean="0"/>
               <a:t/>
@@ -4089,17 +4097,6 @@
             <a:br>
               <a:rPr lang="en-US" dirty="0" smtClean="0"/>
             </a:br>
-            <a:r>
-              <a:rPr lang="en-US" sz="1200" b="0" i="0" kern="1200" dirty="0" err="1" smtClean="0">
-                <a:solidFill>
-                  <a:schemeClr val="tx1"/>
-                </a:solidFill>
-                <a:latin typeface="+mn-lt"/>
-                <a:ea typeface="+mn-ea"/>
-                <a:cs typeface="+mn-cs"/>
-              </a:rPr>
-              <a:t>i</a:t>
-            </a:r>
             <a:r>
               <a:rPr lang="en-US" sz="1200" b="0" i="0" kern="1200" dirty="0" smtClean="0">
                 <a:solidFill>
@@ -4109,15 +4106,10 @@
                 <a:ea typeface="+mn-ea"/>
                 <a:cs typeface="+mn-cs"/>
               </a:rPr>
-              <a:t> To localize a defect.</a:t>
-            </a:r>
-            <a:r>
-              <a:rPr lang="en-US" dirty="0" smtClean="0"/>
-              <a:t/>
-            </a:r>
-            <a:br>
-              <a:rPr lang="en-US" dirty="0" smtClean="0"/>
-            </a:br>
+              <a:t>for statement coverage, and the MINIMUM number of test cases for decision </a:t>
+            </a:r>
+          </a:p>
+          <a:p>
             <a:r>
               <a:rPr lang="en-US" sz="1200" b="0" i="0" kern="1200" dirty="0" smtClean="0">
                 <a:solidFill>
@@ -4127,8 +4119,10 @@
                 <a:ea typeface="+mn-ea"/>
                 <a:cs typeface="+mn-cs"/>
               </a:rPr>
-              <a:t>ii To fix a defect.</a:t>
-            </a:r>
+              <a:t>coverage respectively.</a:t>
+            </a:r>
+          </a:p>
+          <a:p>
             <a:r>
               <a:rPr lang="en-US" dirty="0" smtClean="0"/>
               <a:t/>
@@ -4145,7 +4139,7 @@
                 <a:ea typeface="+mn-ea"/>
                 <a:cs typeface="+mn-cs"/>
               </a:rPr>
-              <a:t>iii To show value.</a:t>
+              <a:t>READ A</a:t>
             </a:r>
             <a:r>
               <a:rPr lang="en-US" dirty="0" smtClean="0"/>
@@ -4163,10 +4157,8 @@
                 <a:ea typeface="+mn-ea"/>
                 <a:cs typeface="+mn-cs"/>
               </a:rPr>
-              <a:t>iv To increase the range of testing.</a:t>
-            </a:r>
-          </a:p>
-          <a:p>
+              <a:t>READ B</a:t>
+            </a:r>
             <a:r>
               <a:rPr lang="en-US" dirty="0" smtClean="0"/>
               <a:t/>
@@ -4183,19 +4175,15 @@
                 <a:ea typeface="+mn-ea"/>
                 <a:cs typeface="+mn-cs"/>
               </a:rPr>
-              <a:t>A </a:t>
-            </a:r>
-            <a:r>
-              <a:rPr lang="en-US" sz="1200" b="0" i="0" kern="1200" dirty="0" err="1" smtClean="0">
-                <a:solidFill>
-                  <a:schemeClr val="tx1"/>
-                </a:solidFill>
-                <a:latin typeface="+mn-lt"/>
-                <a:ea typeface="+mn-ea"/>
-                <a:cs typeface="+mn-cs"/>
-              </a:rPr>
-              <a:t>i</a:t>
-            </a:r>
+              <a:t>READ C</a:t>
+            </a:r>
+            <a:r>
+              <a:rPr lang="en-US" dirty="0" smtClean="0"/>
+              <a:t/>
+            </a:r>
+            <a:br>
+              <a:rPr lang="en-US" dirty="0" smtClean="0"/>
+            </a:br>
             <a:r>
               <a:rPr lang="en-US" sz="1200" b="0" i="0" kern="1200" dirty="0" smtClean="0">
                 <a:solidFill>
@@ -4205,7 +4193,7 @@
                 <a:ea typeface="+mn-ea"/>
                 <a:cs typeface="+mn-cs"/>
               </a:rPr>
-              <a:t>, iii.</a:t>
+              <a:t>IF C&gt;A THEN</a:t>
             </a:r>
             <a:r>
               <a:rPr lang="en-US" dirty="0" smtClean="0"/>
@@ -4214,6 +4202,10 @@
             <a:br>
               <a:rPr lang="en-US" dirty="0" smtClean="0"/>
             </a:br>
+            <a:r>
+              <a:rPr lang="en-US" baseline="0" dirty="0" smtClean="0"/>
+              <a:t>   </a:t>
+            </a:r>
             <a:r>
               <a:rPr lang="en-US" sz="1200" b="0" i="0" kern="1200" dirty="0" smtClean="0">
                 <a:solidFill>
@@ -4223,15 +4215,19 @@
                 <a:ea typeface="+mn-ea"/>
                 <a:cs typeface="+mn-cs"/>
               </a:rPr>
-              <a:t>B ii, iii, iv.</a:t>
-            </a:r>
-            <a:r>
-              <a:rPr lang="en-US" dirty="0" smtClean="0"/>
-              <a:t/>
-            </a:r>
-            <a:br>
-              <a:rPr lang="en-US" dirty="0" smtClean="0"/>
-            </a:br>
+              <a:t>IF C&gt;B THEN</a:t>
+            </a:r>
+            <a:r>
+              <a:rPr lang="en-US" sz="1200" b="0" i="0" kern="1200" baseline="0" dirty="0" smtClean="0">
+                <a:solidFill>
+                  <a:schemeClr val="tx1"/>
+                </a:solidFill>
+                <a:latin typeface="+mn-lt"/>
+                <a:ea typeface="+mn-ea"/>
+                <a:cs typeface="+mn-cs"/>
+              </a:rPr>
+              <a:t> </a:t>
+            </a:r>
             <a:r>
               <a:rPr lang="en-US" sz="1200" b="0" i="0" kern="1200" dirty="0" smtClean="0">
                 <a:solidFill>
@@ -4241,7 +4237,7 @@
                 <a:ea typeface="+mn-ea"/>
                 <a:cs typeface="+mn-cs"/>
               </a:rPr>
-              <a:t>C ii, iv.</a:t>
+              <a:t>PRINT "C must be smaller than at least one number"</a:t>
             </a:r>
             <a:r>
               <a:rPr lang="en-US" dirty="0" smtClean="0"/>
@@ -4250,6 +4246,10 @@
             <a:br>
               <a:rPr lang="en-US" dirty="0" smtClean="0"/>
             </a:br>
+            <a:r>
+              <a:rPr lang="en-US" baseline="0" dirty="0" smtClean="0"/>
+              <a:t>      </a:t>
+            </a:r>
             <a:r>
               <a:rPr lang="en-US" sz="1200" b="0" i="0" kern="1200" dirty="0" smtClean="0">
                 <a:solidFill>
@@ -4259,19 +4259,10 @@
                 <a:ea typeface="+mn-ea"/>
                 <a:cs typeface="+mn-cs"/>
               </a:rPr>
-              <a:t>D </a:t>
-            </a:r>
-            <a:r>
-              <a:rPr lang="en-US" sz="1200" b="0" i="0" kern="1200" dirty="0" err="1" smtClean="0">
-                <a:solidFill>
-                  <a:schemeClr val="tx1"/>
-                </a:solidFill>
-                <a:latin typeface="+mn-lt"/>
-                <a:ea typeface="+mn-ea"/>
-                <a:cs typeface="+mn-cs"/>
-              </a:rPr>
-              <a:t>i</a:t>
-            </a:r>
+              <a:t>ELSE PRINT "Proceed to next stage“</a:t>
+            </a:r>
+          </a:p>
+          <a:p>
             <a:r>
               <a:rPr lang="en-US" sz="1200" b="0" i="0" kern="1200" dirty="0" smtClean="0">
                 <a:solidFill>
@@ -4281,7 +4272,143 @@
                 <a:ea typeface="+mn-ea"/>
                 <a:cs typeface="+mn-cs"/>
               </a:rPr>
-              <a:t>, ii.</a:t>
+              <a:t>   ENDIF</a:t>
+            </a:r>
+            <a:r>
+              <a:rPr lang="en-US" dirty="0" smtClean="0"/>
+              <a:t/>
+            </a:r>
+            <a:br>
+              <a:rPr lang="en-US" dirty="0" smtClean="0"/>
+            </a:br>
+            <a:r>
+              <a:rPr lang="en-US" dirty="0" smtClean="0"/>
+              <a:t>   </a:t>
+            </a:r>
+            <a:r>
+              <a:rPr lang="en-US" sz="1200" b="0" i="0" kern="1200" dirty="0" smtClean="0">
+                <a:solidFill>
+                  <a:schemeClr val="tx1"/>
+                </a:solidFill>
+                <a:latin typeface="+mn-lt"/>
+                <a:ea typeface="+mn-ea"/>
+                <a:cs typeface="+mn-cs"/>
+              </a:rPr>
+              <a:t>ELSE</a:t>
+            </a:r>
+            <a:r>
+              <a:rPr lang="en-US" sz="1200" b="0" i="0" kern="1200" baseline="0" dirty="0" smtClean="0">
+                <a:solidFill>
+                  <a:schemeClr val="tx1"/>
+                </a:solidFill>
+                <a:latin typeface="+mn-lt"/>
+                <a:ea typeface="+mn-ea"/>
+                <a:cs typeface="+mn-cs"/>
+              </a:rPr>
+              <a:t> </a:t>
+            </a:r>
+            <a:r>
+              <a:rPr lang="en-US" sz="1200" b="0" i="0" kern="1200" dirty="0" smtClean="0">
+                <a:solidFill>
+                  <a:schemeClr val="tx1"/>
+                </a:solidFill>
+                <a:latin typeface="+mn-lt"/>
+                <a:ea typeface="+mn-ea"/>
+                <a:cs typeface="+mn-cs"/>
+              </a:rPr>
+              <a:t>PRINT "B can be smaller than C"</a:t>
+            </a:r>
+            <a:r>
+              <a:rPr lang="en-US" dirty="0" smtClean="0"/>
+              <a:t/>
+            </a:r>
+            <a:br>
+              <a:rPr lang="en-US" dirty="0" smtClean="0"/>
+            </a:br>
+            <a:r>
+              <a:rPr lang="en-US" sz="1200" b="0" i="0" kern="1200" dirty="0" smtClean="0">
+                <a:solidFill>
+                  <a:schemeClr val="tx1"/>
+                </a:solidFill>
+                <a:latin typeface="+mn-lt"/>
+                <a:ea typeface="+mn-ea"/>
+                <a:cs typeface="+mn-cs"/>
+              </a:rPr>
+              <a:t>ENDIF</a:t>
+            </a:r>
+          </a:p>
+          <a:p>
+            <a:r>
+              <a:rPr lang="en-US" dirty="0" smtClean="0"/>
+              <a:t/>
+            </a:r>
+            <a:br>
+              <a:rPr lang="en-US" dirty="0" smtClean="0"/>
+            </a:br>
+            <a:r>
+              <a:rPr lang="en-US" sz="1200" b="0" i="0" kern="1200" dirty="0" smtClean="0">
+                <a:solidFill>
+                  <a:schemeClr val="tx1"/>
+                </a:solidFill>
+                <a:latin typeface="+mn-lt"/>
+                <a:ea typeface="+mn-ea"/>
+                <a:cs typeface="+mn-cs"/>
+              </a:rPr>
+              <a:t>A 3, 3.</a:t>
+            </a:r>
+            <a:r>
+              <a:rPr lang="en-US" dirty="0" smtClean="0"/>
+              <a:t/>
+            </a:r>
+            <a:br>
+              <a:rPr lang="en-US" dirty="0" smtClean="0"/>
+            </a:br>
+            <a:r>
+              <a:rPr lang="en-US" sz="1200" b="0" i="0" kern="1200" dirty="0" smtClean="0">
+                <a:solidFill>
+                  <a:schemeClr val="tx1"/>
+                </a:solidFill>
+                <a:latin typeface="+mn-lt"/>
+                <a:ea typeface="+mn-ea"/>
+                <a:cs typeface="+mn-cs"/>
+              </a:rPr>
+              <a:t>B 2, 3.</a:t>
+            </a:r>
+            <a:r>
+              <a:rPr lang="en-US" dirty="0" smtClean="0"/>
+              <a:t/>
+            </a:r>
+            <a:br>
+              <a:rPr lang="en-US" dirty="0" smtClean="0"/>
+            </a:br>
+            <a:r>
+              <a:rPr lang="en-US" sz="1200" b="0" i="0" kern="1200" dirty="0" smtClean="0">
+                <a:solidFill>
+                  <a:schemeClr val="tx1"/>
+                </a:solidFill>
+                <a:latin typeface="+mn-lt"/>
+                <a:ea typeface="+mn-ea"/>
+                <a:cs typeface="+mn-cs"/>
+              </a:rPr>
+              <a:t>C 2, 4.</a:t>
+            </a:r>
+            <a:r>
+              <a:rPr lang="en-US" dirty="0" smtClean="0"/>
+              <a:t/>
+            </a:r>
+            <a:br>
+              <a:rPr lang="en-US" dirty="0" smtClean="0"/>
+            </a:br>
+            <a:r>
+              <a:rPr lang="en-US" sz="1200" b="0" i="0" kern="1200" dirty="0" smtClean="0">
+                <a:solidFill>
+                  <a:schemeClr val="tx1"/>
+                </a:solidFill>
+                <a:latin typeface="+mn-lt"/>
+                <a:ea typeface="+mn-ea"/>
+                <a:cs typeface="+mn-cs"/>
+              </a:rPr>
+              <a:t>D 3, 2.</a:t>
             </a:r>
           </a:p>
           <a:p>
@@ -4353,10 +4480,8 @@
                 <a:ea typeface="+mn-ea"/>
                 <a:cs typeface="+mn-cs"/>
               </a:rPr>
-              <a:t>Which of the following is a characteristic of good testing in any life cycle model?</a:t>
-            </a:r>
-          </a:p>
-          <a:p>
+              <a:t>The following statements are used to describe the basis for creating test cases using either</a:t>
+            </a:r>
             <a:r>
               <a:rPr lang="en-US" dirty="0" smtClean="0"/>
               <a:t/>
@@ -4373,8 +4498,10 @@
                 <a:ea typeface="+mn-ea"/>
                 <a:cs typeface="+mn-cs"/>
               </a:rPr>
-              <a:t>A All document reviews involve the development team.</a:t>
-            </a:r>
+              <a:t>black or white box techniques:</a:t>
+            </a:r>
+          </a:p>
+          <a:p>
             <a:r>
               <a:rPr lang="en-US" dirty="0" smtClean="0"/>
               <a:t/>
@@ -4382,6 +4509,17 @@
             <a:br>
               <a:rPr lang="en-US" dirty="0" smtClean="0"/>
             </a:br>
+            <a:r>
+              <a:rPr lang="en-US" sz="1200" b="0" i="0" kern="1200" dirty="0" err="1" smtClean="0">
+                <a:solidFill>
+                  <a:schemeClr val="tx1"/>
+                </a:solidFill>
+                <a:latin typeface="+mn-lt"/>
+                <a:ea typeface="+mn-ea"/>
+                <a:cs typeface="+mn-cs"/>
+              </a:rPr>
+              <a:t>i</a:t>
+            </a:r>
             <a:r>
               <a:rPr lang="en-US" sz="1200" b="0" i="0" kern="1200" dirty="0" smtClean="0">
                 <a:solidFill>
@@ -4391,7 +4529,7 @@
                 <a:ea typeface="+mn-ea"/>
                 <a:cs typeface="+mn-cs"/>
               </a:rPr>
-              <a:t>B Some, but not all, development activities have corresponding test activities.</a:t>
+              <a:t> information about how the software is constructed.</a:t>
             </a:r>
             <a:r>
               <a:rPr lang="en-US" dirty="0" smtClean="0"/>
@@ -4409,7 +4547,7 @@
                 <a:ea typeface="+mn-ea"/>
                 <a:cs typeface="+mn-cs"/>
               </a:rPr>
-              <a:t>C Each test level has test objectives specific to that level.</a:t>
+              <a:t>ii models of the system, software or components.</a:t>
             </a:r>
             <a:r>
               <a:rPr lang="en-US" dirty="0" smtClean="0"/>
@@ -4427,9 +4565,164 @@
                 <a:ea typeface="+mn-ea"/>
                 <a:cs typeface="+mn-cs"/>
               </a:rPr>
-              <a:t>D Analysis and design of tests begins as soon as development is complete.</a:t>
-            </a:r>
-            <a:endParaRPr lang="en-US" baseline="0" dirty="0" smtClean="0"/>
+              <a:t>iii analysis of the test basis documentation.</a:t>
+            </a:r>
+            <a:r>
+              <a:rPr lang="en-US" dirty="0" smtClean="0"/>
+              <a:t/>
+            </a:r>
+            <a:br>
+              <a:rPr lang="en-US" dirty="0" smtClean="0"/>
+            </a:br>
+            <a:r>
+              <a:rPr lang="en-US" sz="1200" b="0" i="0" kern="1200" dirty="0" smtClean="0">
+                <a:solidFill>
+                  <a:schemeClr val="tx1"/>
+                </a:solidFill>
+                <a:latin typeface="+mn-lt"/>
+                <a:ea typeface="+mn-ea"/>
+                <a:cs typeface="+mn-cs"/>
+              </a:rPr>
+              <a:t>iv analysis of the internal structure of the components.</a:t>
+            </a:r>
+          </a:p>
+          <a:p>
+            <a:r>
+              <a:rPr lang="en-US" dirty="0" smtClean="0"/>
+              <a:t/>
+            </a:r>
+            <a:br>
+              <a:rPr lang="en-US" dirty="0" smtClean="0"/>
+            </a:br>
+            <a:r>
+              <a:rPr lang="en-US" sz="1200" b="0" i="0" kern="1200" dirty="0" smtClean="0">
+                <a:solidFill>
+                  <a:schemeClr val="tx1"/>
+                </a:solidFill>
+                <a:latin typeface="+mn-lt"/>
+                <a:ea typeface="+mn-ea"/>
+                <a:cs typeface="+mn-cs"/>
+              </a:rPr>
+              <a:t>Which combination of the statements describes the basis for black box techniques?</a:t>
+            </a:r>
+          </a:p>
+          <a:p>
+            <a:r>
+              <a:rPr lang="en-US" dirty="0" smtClean="0"/>
+              <a:t/>
+            </a:r>
+            <a:br>
+              <a:rPr lang="en-US" dirty="0" smtClean="0"/>
+            </a:br>
+            <a:r>
+              <a:rPr lang="en-US" sz="1200" b="0" i="0" kern="1200" dirty="0" smtClean="0">
+                <a:solidFill>
+                  <a:schemeClr val="tx1"/>
+                </a:solidFill>
+                <a:latin typeface="+mn-lt"/>
+                <a:ea typeface="+mn-ea"/>
+                <a:cs typeface="+mn-cs"/>
+              </a:rPr>
+              <a:t>A ii and iii.</a:t>
+            </a:r>
+            <a:r>
+              <a:rPr lang="en-US" dirty="0" smtClean="0"/>
+              <a:t/>
+            </a:r>
+            <a:br>
+              <a:rPr lang="en-US" dirty="0" smtClean="0"/>
+            </a:br>
+            <a:r>
+              <a:rPr lang="en-US" sz="1200" b="0" i="0" kern="1200" dirty="0" smtClean="0">
+                <a:solidFill>
+                  <a:schemeClr val="tx1"/>
+                </a:solidFill>
+                <a:latin typeface="+mn-lt"/>
+                <a:ea typeface="+mn-ea"/>
+                <a:cs typeface="+mn-cs"/>
+              </a:rPr>
+              <a:t>B ii and iv.</a:t>
+            </a:r>
+            <a:r>
+              <a:rPr lang="en-US" dirty="0" smtClean="0"/>
+              <a:t/>
+            </a:r>
+            <a:br>
+              <a:rPr lang="en-US" dirty="0" smtClean="0"/>
+            </a:br>
+            <a:r>
+              <a:rPr lang="en-US" sz="1200" b="0" i="0" kern="1200" dirty="0" smtClean="0">
+                <a:solidFill>
+                  <a:schemeClr val="tx1"/>
+                </a:solidFill>
+                <a:latin typeface="+mn-lt"/>
+                <a:ea typeface="+mn-ea"/>
+                <a:cs typeface="+mn-cs"/>
+              </a:rPr>
+              <a:t>C </a:t>
+            </a:r>
+            <a:r>
+              <a:rPr lang="en-US" sz="1200" b="0" i="0" kern="1200" dirty="0" err="1" smtClean="0">
+                <a:solidFill>
+                  <a:schemeClr val="tx1"/>
+                </a:solidFill>
+                <a:latin typeface="+mn-lt"/>
+                <a:ea typeface="+mn-ea"/>
+                <a:cs typeface="+mn-cs"/>
+              </a:rPr>
+              <a:t>i</a:t>
+            </a:r>
+            <a:r>
+              <a:rPr lang="en-US" sz="1200" b="0" i="0" kern="1200" dirty="0" smtClean="0">
+                <a:solidFill>
+                  <a:schemeClr val="tx1"/>
+                </a:solidFill>
+                <a:latin typeface="+mn-lt"/>
+                <a:ea typeface="+mn-ea"/>
+                <a:cs typeface="+mn-cs"/>
+              </a:rPr>
+              <a:t> and iv.</a:t>
+            </a:r>
+            <a:r>
+              <a:rPr lang="en-US" dirty="0" smtClean="0"/>
+              <a:t/>
+            </a:r>
+            <a:br>
+              <a:rPr lang="en-US" dirty="0" smtClean="0"/>
+            </a:br>
+            <a:r>
+              <a:rPr lang="en-US" sz="1200" b="0" i="0" kern="1200" dirty="0" smtClean="0">
+                <a:solidFill>
+                  <a:schemeClr val="tx1"/>
+                </a:solidFill>
+                <a:latin typeface="+mn-lt"/>
+                <a:ea typeface="+mn-ea"/>
+                <a:cs typeface="+mn-cs"/>
+              </a:rPr>
+              <a:t>D </a:t>
+            </a:r>
+            <a:r>
+              <a:rPr lang="en-US" sz="1200" b="0" i="0" kern="1200" dirty="0" err="1" smtClean="0">
+                <a:solidFill>
+                  <a:schemeClr val="tx1"/>
+                </a:solidFill>
+                <a:latin typeface="+mn-lt"/>
+                <a:ea typeface="+mn-ea"/>
+                <a:cs typeface="+mn-cs"/>
+              </a:rPr>
+              <a:t>i</a:t>
+            </a:r>
+            <a:r>
+              <a:rPr lang="en-US" sz="1200" b="0" i="0" kern="1200" dirty="0" smtClean="0">
+                <a:solidFill>
+                  <a:schemeClr val="tx1"/>
+                </a:solidFill>
+                <a:latin typeface="+mn-lt"/>
+                <a:ea typeface="+mn-ea"/>
+                <a:cs typeface="+mn-cs"/>
+              </a:rPr>
+              <a:t> and iii.</a:t>
+            </a:r>
           </a:p>
           <a:p>
             <a:endParaRPr lang="en-US" baseline="0" dirty="0" smtClean="0"/>
@@ -4498,10 +4791,15 @@
                 <a:ea typeface="+mn-ea"/>
                 <a:cs typeface="+mn-cs"/>
               </a:rPr>
-              <a:t>To test a function, the programmer has to write a _________, which calls the function </a:t>
-            </a:r>
-          </a:p>
-          <a:p>
+              <a:t>Which of following statements is true? Select ALL correct options.</a:t>
+            </a:r>
+            <a:r>
+              <a:rPr lang="en-US" dirty="0" smtClean="0"/>
+              <a:t/>
+            </a:r>
+            <a:br>
+              <a:rPr lang="en-US" dirty="0" smtClean="0"/>
+            </a:br>
             <a:r>
               <a:rPr lang="en-US" sz="1200" b="0" i="0" kern="1200" dirty="0" smtClean="0">
                 <a:solidFill>
@@ -4511,7 +4809,7 @@
                 <a:ea typeface="+mn-ea"/>
                 <a:cs typeface="+mn-cs"/>
               </a:rPr>
-              <a:t>to be tested and passes it test data.</a:t>
+              <a:t>Regression testing should be performed:</a:t>
             </a:r>
           </a:p>
           <a:p>
@@ -4522,6 +4820,17 @@
             <a:br>
               <a:rPr lang="en-US" dirty="0" smtClean="0"/>
             </a:br>
+            <a:r>
+              <a:rPr lang="en-US" sz="1200" b="0" i="0" kern="1200" dirty="0" err="1" smtClean="0">
+                <a:solidFill>
+                  <a:schemeClr val="tx1"/>
+                </a:solidFill>
+                <a:latin typeface="+mn-lt"/>
+                <a:ea typeface="+mn-ea"/>
+                <a:cs typeface="+mn-cs"/>
+              </a:rPr>
+              <a:t>i</a:t>
+            </a:r>
             <a:r>
               <a:rPr lang="en-US" sz="1200" b="0" i="0" kern="1200" dirty="0" smtClean="0">
                 <a:solidFill>
@@ -4531,7 +4840,7 @@
                 <a:ea typeface="+mn-ea"/>
                 <a:cs typeface="+mn-cs"/>
               </a:rPr>
-              <a:t>A Stub</a:t>
+              <a:t> once a month</a:t>
             </a:r>
             <a:r>
               <a:rPr lang="en-US" dirty="0" smtClean="0"/>
@@ -4549,7 +4858,7 @@
                 <a:ea typeface="+mn-ea"/>
                 <a:cs typeface="+mn-cs"/>
               </a:rPr>
-              <a:t>B Driver</a:t>
+              <a:t>ii when a defect has been fixed</a:t>
             </a:r>
             <a:r>
               <a:rPr lang="en-US" dirty="0" smtClean="0"/>
@@ -4567,7 +4876,7 @@
                 <a:ea typeface="+mn-ea"/>
                 <a:cs typeface="+mn-cs"/>
               </a:rPr>
-              <a:t>C Proxy</a:t>
+              <a:t>iii when the test environment has changed</a:t>
             </a:r>
             <a:r>
               <a:rPr lang="en-US" dirty="0" smtClean="0"/>
@@ -4585,7 +4894,125 @@
                 <a:ea typeface="+mn-ea"/>
                 <a:cs typeface="+mn-cs"/>
               </a:rPr>
-              <a:t>D None of the above</a:t>
+              <a:t>iv when the software has changed</a:t>
+            </a:r>
+          </a:p>
+          <a:p>
+            <a:r>
+              <a:rPr lang="en-US" dirty="0" smtClean="0"/>
+              <a:t/>
+            </a:r>
+            <a:br>
+              <a:rPr lang="en-US" dirty="0" smtClean="0"/>
+            </a:br>
+            <a:r>
+              <a:rPr lang="en-US" sz="1200" b="0" i="0" kern="1200" dirty="0" smtClean="0">
+                <a:solidFill>
+                  <a:schemeClr val="tx1"/>
+                </a:solidFill>
+                <a:latin typeface="+mn-lt"/>
+                <a:ea typeface="+mn-ea"/>
+                <a:cs typeface="+mn-cs"/>
+              </a:rPr>
+              <a:t>A ii and iv.</a:t>
+            </a:r>
+            <a:r>
+              <a:rPr lang="en-US" dirty="0" smtClean="0"/>
+              <a:t/>
+            </a:r>
+            <a:br>
+              <a:rPr lang="en-US" dirty="0" smtClean="0"/>
+            </a:br>
+            <a:r>
+              <a:rPr lang="en-US" sz="1200" b="0" i="0" kern="1200" dirty="0" smtClean="0">
+                <a:solidFill>
+                  <a:schemeClr val="tx1"/>
+                </a:solidFill>
+                <a:latin typeface="+mn-lt"/>
+                <a:ea typeface="+mn-ea"/>
+                <a:cs typeface="+mn-cs"/>
+              </a:rPr>
+              <a:t>B ii, iii and iv.</a:t>
+            </a:r>
+            <a:r>
+              <a:rPr lang="en-US" dirty="0" smtClean="0"/>
+              <a:t/>
+            </a:r>
+            <a:br>
+              <a:rPr lang="en-US" dirty="0" smtClean="0"/>
+            </a:br>
+            <a:r>
+              <a:rPr lang="en-US" sz="1200" b="0" i="0" kern="1200" dirty="0" smtClean="0">
+                <a:solidFill>
+                  <a:schemeClr val="tx1"/>
+                </a:solidFill>
+                <a:latin typeface="+mn-lt"/>
+                <a:ea typeface="+mn-ea"/>
+                <a:cs typeface="+mn-cs"/>
+              </a:rPr>
+              <a:t>C </a:t>
+            </a:r>
+            <a:r>
+              <a:rPr lang="en-US" sz="1200" b="0" i="0" kern="1200" dirty="0" err="1" smtClean="0">
+                <a:solidFill>
+                  <a:schemeClr val="tx1"/>
+                </a:solidFill>
+                <a:latin typeface="+mn-lt"/>
+                <a:ea typeface="+mn-ea"/>
+                <a:cs typeface="+mn-cs"/>
+              </a:rPr>
+              <a:t>i</a:t>
+            </a:r>
+            <a:r>
+              <a:rPr lang="en-US" sz="1200" b="0" i="0" kern="1200" dirty="0" smtClean="0">
+                <a:solidFill>
+                  <a:schemeClr val="tx1"/>
+                </a:solidFill>
+                <a:latin typeface="+mn-lt"/>
+                <a:ea typeface="+mn-ea"/>
+                <a:cs typeface="+mn-cs"/>
+              </a:rPr>
+              <a:t>, ii and iii.</a:t>
+            </a:r>
+            <a:r>
+              <a:rPr lang="en-US" dirty="0" smtClean="0"/>
+              <a:t/>
+            </a:r>
+            <a:br>
+              <a:rPr lang="en-US" dirty="0" smtClean="0"/>
+            </a:br>
+            <a:r>
+              <a:rPr lang="en-US" sz="1200" b="0" i="0" kern="1200" dirty="0" smtClean="0">
+                <a:solidFill>
+                  <a:schemeClr val="tx1"/>
+                </a:solidFill>
+                <a:latin typeface="+mn-lt"/>
+                <a:ea typeface="+mn-ea"/>
+                <a:cs typeface="+mn-cs"/>
+              </a:rPr>
+              <a:t>D </a:t>
+            </a:r>
+            <a:r>
+              <a:rPr lang="en-US" sz="1200" b="0" i="0" kern="1200" dirty="0" err="1" smtClean="0">
+                <a:solidFill>
+                  <a:schemeClr val="tx1"/>
+                </a:solidFill>
+                <a:latin typeface="+mn-lt"/>
+                <a:ea typeface="+mn-ea"/>
+                <a:cs typeface="+mn-cs"/>
+              </a:rPr>
+              <a:t>i</a:t>
+            </a:r>
+            <a:r>
+              <a:rPr lang="en-US" sz="1200" b="0" i="0" kern="1200" dirty="0" smtClean="0">
+                <a:solidFill>
+                  <a:schemeClr val="tx1"/>
+                </a:solidFill>
+                <a:latin typeface="+mn-lt"/>
+                <a:ea typeface="+mn-ea"/>
+                <a:cs typeface="+mn-cs"/>
+              </a:rPr>
+              <a:t> and iii.</a:t>
             </a:r>
           </a:p>
           <a:p>
@@ -4646,21 +5073,10 @@
           </a:p>
           <a:p>
             <a:r>
-              <a:rPr lang="en-US" dirty="0" smtClean="0"/>
-              <a:t>Which</a:t>
-            </a:r>
-            <a:r>
               <a:rPr lang="en-US" baseline="0" dirty="0" smtClean="0"/>
-              <a:t> symbol should be between 4 and 5 to have a result</a:t>
-            </a:r>
-            <a:r>
-              <a:rPr lang="ru-RU" baseline="0" dirty="0" smtClean="0"/>
-              <a:t> </a:t>
-            </a:r>
-            <a:r>
-              <a:rPr lang="en-US" baseline="0" dirty="0" smtClean="0"/>
-              <a:t>more than 4 but less than 5?</a:t>
-            </a:r>
+              <a:t>How many eggs can be taken on an empty stomach?</a:t>
+            </a:r>
+            <a:endParaRPr lang="en-US" baseline="0" dirty="0" smtClean="0"/>
           </a:p>
           <a:p>
             <a:endParaRPr lang="ru-RU" dirty="0"/>
@@ -4881,7 +5297,7 @@
             <a:fld id="{1D8BD707-D9CF-40AE-B4C6-C98DA3205C09}" type="datetimeFigureOut">
               <a:rPr lang="en-US" smtClean="0"/>
               <a:pPr/>
-              <a:t>11-Jan-15</a:t>
+              <a:t>12-Jan-15</a:t>
             </a:fld>
             <a:endParaRPr lang="en-US"/>
           </a:p>
@@ -5048,7 +5464,7 @@
             <a:fld id="{1D8BD707-D9CF-40AE-B4C6-C98DA3205C09}" type="datetimeFigureOut">
               <a:rPr lang="en-US" smtClean="0"/>
               <a:pPr/>
-              <a:t>11-Jan-15</a:t>
+              <a:t>12-Jan-15</a:t>
             </a:fld>
             <a:endParaRPr lang="en-US"/>
           </a:p>
@@ -5225,7 +5641,7 @@
             <a:fld id="{1D8BD707-D9CF-40AE-B4C6-C98DA3205C09}" type="datetimeFigureOut">
               <a:rPr lang="en-US" smtClean="0"/>
               <a:pPr/>
-              <a:t>11-Jan-15</a:t>
+              <a:t>12-Jan-15</a:t>
             </a:fld>
             <a:endParaRPr lang="en-US"/>
           </a:p>
@@ -5392,7 +5808,7 @@
             <a:fld id="{1D8BD707-D9CF-40AE-B4C6-C98DA3205C09}" type="datetimeFigureOut">
               <a:rPr lang="en-US" smtClean="0"/>
               <a:pPr/>
-              <a:t>11-Jan-15</a:t>
+              <a:t>12-Jan-15</a:t>
             </a:fld>
             <a:endParaRPr lang="en-US"/>
           </a:p>
@@ -5635,7 +6051,7 @@
             <a:fld id="{1D8BD707-D9CF-40AE-B4C6-C98DA3205C09}" type="datetimeFigureOut">
               <a:rPr lang="en-US" smtClean="0"/>
               <a:pPr/>
-              <a:t>11-Jan-15</a:t>
+              <a:t>12-Jan-15</a:t>
             </a:fld>
             <a:endParaRPr lang="en-US"/>
           </a:p>
@@ -5920,7 +6336,7 @@
             <a:fld id="{1D8BD707-D9CF-40AE-B4C6-C98DA3205C09}" type="datetimeFigureOut">
               <a:rPr lang="en-US" smtClean="0"/>
               <a:pPr/>
-              <a:t>11-Jan-15</a:t>
+              <a:t>12-Jan-15</a:t>
             </a:fld>
             <a:endParaRPr lang="en-US"/>
           </a:p>
@@ -6339,7 +6755,7 @@
             <a:fld id="{1D8BD707-D9CF-40AE-B4C6-C98DA3205C09}" type="datetimeFigureOut">
               <a:rPr lang="en-US" smtClean="0"/>
               <a:pPr/>
-              <a:t>11-Jan-15</a:t>
+              <a:t>12-Jan-15</a:t>
             </a:fld>
             <a:endParaRPr lang="en-US"/>
           </a:p>
@@ -6454,7 +6870,7 @@
             <a:fld id="{1D8BD707-D9CF-40AE-B4C6-C98DA3205C09}" type="datetimeFigureOut">
               <a:rPr lang="en-US" smtClean="0"/>
               <a:pPr/>
-              <a:t>11-Jan-15</a:t>
+              <a:t>12-Jan-15</a:t>
             </a:fld>
             <a:endParaRPr lang="en-US"/>
           </a:p>
@@ -6546,7 +6962,7 @@
             <a:fld id="{1D8BD707-D9CF-40AE-B4C6-C98DA3205C09}" type="datetimeFigureOut">
               <a:rPr lang="en-US" smtClean="0"/>
               <a:pPr/>
-              <a:t>11-Jan-15</a:t>
+              <a:t>12-Jan-15</a:t>
             </a:fld>
             <a:endParaRPr lang="en-US"/>
           </a:p>
@@ -6820,7 +7236,7 @@
             <a:fld id="{1D8BD707-D9CF-40AE-B4C6-C98DA3205C09}" type="datetimeFigureOut">
               <a:rPr lang="en-US" smtClean="0"/>
               <a:pPr/>
-              <a:t>11-Jan-15</a:t>
+              <a:t>12-Jan-15</a:t>
             </a:fld>
             <a:endParaRPr lang="en-US"/>
           </a:p>
@@ -7070,7 +7486,7 @@
             <a:fld id="{1D8BD707-D9CF-40AE-B4C6-C98DA3205C09}" type="datetimeFigureOut">
               <a:rPr lang="en-US" smtClean="0"/>
               <a:pPr/>
-              <a:t>11-Jan-15</a:t>
+              <a:t>12-Jan-15</a:t>
             </a:fld>
             <a:endParaRPr lang="en-US"/>
           </a:p>
@@ -7289,7 +7705,7 @@
             <a:fld id="{1D8BD707-D9CF-40AE-B4C6-C98DA3205C09}" type="datetimeFigureOut">
               <a:rPr lang="en-US" smtClean="0"/>
               <a:pPr/>
-              <a:t>11-Jan-15</a:t>
+              <a:t>12-Jan-15</a:t>
             </a:fld>
             <a:endParaRPr lang="en-US"/>
           </a:p>
@@ -7759,7 +8175,7 @@
     </p:spTree>
     <p:extLst>
       <p:ext uri="{BB962C8B-B14F-4D97-AF65-F5344CB8AC3E}">
-        <p14:creationId xmlns:p14="http://schemas.microsoft.com/office/powerpoint/2010/main" xmlns="" val="1766645597"/>
+        <p14:creationId xmlns="" xmlns:p14="http://schemas.microsoft.com/office/powerpoint/2010/main" val="1766645597"/>
       </p:ext>
     </p:extLst>
   </p:cSld>
@@ -7805,7 +8221,7 @@
           <a:blip r:embed="rId3" cstate="print">
             <a:extLst>
               <a:ext uri="{28A0092B-C50C-407E-A947-70E740481C1C}">
-                <a14:useLocalDpi xmlns:a14="http://schemas.microsoft.com/office/drawing/2010/main" xmlns="" val="0"/>
+                <a14:useLocalDpi xmlns="" xmlns:a14="http://schemas.microsoft.com/office/drawing/2010/main" val="0"/>
               </a:ext>
             </a:extLst>
           </a:blip>
@@ -7825,7 +8241,7 @@
           <a:noFill/>
           <a:extLst>
             <a:ext uri="{909E8E84-426E-40DD-AFC4-6F175D3DCCD1}">
-              <a14:hiddenFill xmlns:a14="http://schemas.microsoft.com/office/drawing/2010/main" xmlns="">
+              <a14:hiddenFill xmlns="" xmlns:a14="http://schemas.microsoft.com/office/drawing/2010/main">
                 <a:solidFill>
                   <a:srgbClr val="FFFFFF"/>
                 </a:solidFill>
@@ -7901,7 +8317,7 @@
         <p:spPr>
           <a:xfrm>
             <a:off x="683568" y="3923764"/>
-            <a:ext cx="6336704" cy="369332"/>
+            <a:ext cx="6336704" cy="646331"/>
           </a:xfrm>
           <a:prstGeom prst="rect">
             <a:avLst/>
@@ -7915,7 +8331,7 @@
           <a:p>
             <a:r>
               <a:rPr lang="en-US" b="1" dirty="0" smtClean="0"/>
-              <a:t>Write tests for a pen on each test level</a:t>
+              <a:t>Describe all possible tests for a pen. Use knowledge from the lesson </a:t>
             </a:r>
             <a:endParaRPr lang="en-US" b="1" dirty="0"/>
           </a:p>
@@ -7959,7 +8375,7 @@
         <p:spPr>
           <a:xfrm>
             <a:off x="683567" y="1547500"/>
-            <a:ext cx="7373913" cy="923330"/>
+            <a:ext cx="7373913" cy="1200329"/>
           </a:xfrm>
           <a:prstGeom prst="rect">
             <a:avLst/>
@@ -7979,8 +8395,9 @@
           <a:p>
             <a:r>
               <a:rPr lang="en-US" b="1" i="1" dirty="0" smtClean="0"/>
-              <a:t>validation, verification, alpha testing, filed testing, component testing, integration testing, system testing, acceptance testing </a:t>
-            </a:r>
+              <a:t>Regression testing, security testing, performance testing, stress testing, load testing, volume testing, white-box testing, black-box testing, smoke testing, usability testing, functional testing</a:t>
+            </a:r>
+            <a:endParaRPr lang="en-US" b="1" i="1" dirty="0" smtClean="0"/>
           </a:p>
         </p:txBody>
       </p:sp>
@@ -8042,7 +8459,7 @@
     </p:spTree>
     <p:extLst>
       <p:ext uri="{BB962C8B-B14F-4D97-AF65-F5344CB8AC3E}">
-        <p14:creationId xmlns:p14="http://schemas.microsoft.com/office/powerpoint/2010/main" xmlns="" val="3400026356"/>
+        <p14:creationId xmlns="" xmlns:p14="http://schemas.microsoft.com/office/powerpoint/2010/main" val="3400026356"/>
       </p:ext>
     </p:extLst>
   </p:cSld>
@@ -8593,14 +9010,13 @@
               <a:rPr lang="en-US" sz="2000" i="1" dirty="0" smtClean="0"/>
               <a:t>Which software development model “Scrum” and “Extreme Programming”  methodologies are related to?</a:t>
             </a:r>
-            <a:endParaRPr lang="en-US" sz="2000" i="1" dirty="0" smtClean="0"/>
           </a:p>
         </p:txBody>
       </p:sp>
     </p:spTree>
     <p:extLst>
       <p:ext uri="{BB962C8B-B14F-4D97-AF65-F5344CB8AC3E}">
-        <p14:creationId xmlns:p14="http://schemas.microsoft.com/office/powerpoint/2010/main" xmlns="" val="3292176594"/>
+        <p14:creationId xmlns="" xmlns:p14="http://schemas.microsoft.com/office/powerpoint/2010/main" val="3292176594"/>
       </p:ext>
     </p:extLst>
   </p:cSld>
@@ -8796,7 +9212,6 @@
               <a:rPr lang="en-US" dirty="0" smtClean="0"/>
               <a:t>Maintenance Testing</a:t>
             </a:r>
-            <a:endParaRPr lang="en-US" dirty="0" smtClean="0"/>
           </a:p>
           <a:p>
             <a:endParaRPr lang="en-US" dirty="0" smtClean="0"/>
@@ -8970,7 +9385,7 @@
     </p:spTree>
     <p:extLst>
       <p:ext uri="{BB962C8B-B14F-4D97-AF65-F5344CB8AC3E}">
-        <p14:creationId xmlns:p14="http://schemas.microsoft.com/office/powerpoint/2010/main" xmlns="" val="4060775951"/>
+        <p14:creationId xmlns="" xmlns:p14="http://schemas.microsoft.com/office/powerpoint/2010/main" val="4060775951"/>
       </p:ext>
     </p:extLst>
   </p:cSld>
@@ -8978,7 +9393,7 @@
     <a:masterClrMapping/>
   </p:clrMapOvr>
   <mc:AlternateContent xmlns:mc="http://schemas.openxmlformats.org/markup-compatibility/2006">
-    <mc:Choice xmlns:p14="http://schemas.microsoft.com/office/powerpoint/2010/main" xmlns="" Requires="p14">
+    <mc:Choice xmlns="" xmlns:p14="http://schemas.microsoft.com/office/powerpoint/2010/main" Requires="p14">
       <p:transition spd="slow" p14:dur="2000"/>
     </mc:Choice>
     <mc:Fallback>
@@ -9050,25 +9465,7 @@
                   </a:outerShdw>
                 </a:effectLst>
               </a:rPr>
-              <a:t>Testing </a:t>
-            </a:r>
-            <a:r>
-              <a:rPr lang="en-US" sz="3500" dirty="0" smtClean="0">
-                <a:solidFill>
-                  <a:schemeClr val="tx1">
-                    <a:lumMod val="65000"/>
-                    <a:lumOff val="35000"/>
-                  </a:schemeClr>
-                </a:solidFill>
-                <a:effectLst>
-                  <a:outerShdw blurRad="38100" dist="38100" dir="2700000" algn="tl">
-                    <a:srgbClr val="000000">
-                      <a:alpha val="43137"/>
-                    </a:srgbClr>
-                  </a:outerShdw>
-                </a:effectLst>
-              </a:rPr>
-              <a:t>Types</a:t>
+              <a:t>Testing Types</a:t>
             </a:r>
             <a:endParaRPr lang="en-US" sz="3500" dirty="0">
               <a:solidFill>
@@ -9111,11 +9508,7 @@
           <a:p>
             <a:r>
               <a:rPr lang="en-US" dirty="0" smtClean="0"/>
-              <a:t>A test type is focused on a particular test objective, which could be any of the following</a:t>
-            </a:r>
-            <a:r>
-              <a:rPr lang="en-US" dirty="0" smtClean="0"/>
-              <a:t>:</a:t>
+              <a:t>A test type is focused on a particular test objective, which could be any of the following:</a:t>
             </a:r>
             <a:endParaRPr lang="en-US" dirty="0"/>
           </a:p>
@@ -9186,15 +9579,7 @@
           <a:p>
             <a:r>
               <a:rPr lang="en-US" dirty="0" smtClean="0"/>
-              <a:t>A </a:t>
-            </a:r>
-            <a:r>
-              <a:rPr lang="en-US" dirty="0" smtClean="0"/>
-              <a:t>function to be performed by the </a:t>
-            </a:r>
-            <a:r>
-              <a:rPr lang="en-US" dirty="0" smtClean="0"/>
-              <a:t>software</a:t>
+              <a:t>A function to be performed by the software</a:t>
             </a:r>
             <a:endParaRPr lang="ru-RU" dirty="0"/>
           </a:p>
@@ -9416,7 +9801,7 @@
     </p:spTree>
     <p:extLst>
       <p:ext uri="{BB962C8B-B14F-4D97-AF65-F5344CB8AC3E}">
-        <p14:creationId xmlns:p14="http://schemas.microsoft.com/office/powerpoint/2010/main" xmlns="" val="4060775951"/>
+        <p14:creationId xmlns="" xmlns:p14="http://schemas.microsoft.com/office/powerpoint/2010/main" val="4060775951"/>
       </p:ext>
     </p:extLst>
   </p:cSld>
@@ -9424,7 +9809,7 @@
     <a:masterClrMapping/>
   </p:clrMapOvr>
   <mc:AlternateContent xmlns:mc="http://schemas.openxmlformats.org/markup-compatibility/2006">
-    <mc:Choice xmlns:p14="http://schemas.microsoft.com/office/powerpoint/2010/main" xmlns="" Requires="p14">
+    <mc:Choice xmlns="" xmlns:p14="http://schemas.microsoft.com/office/powerpoint/2010/main" Requires="p14">
       <p:transition spd="slow" p14:dur="2000"/>
     </mc:Choice>
     <mc:Fallback>
@@ -9547,11 +9932,7 @@
             </a:r>
             <a:r>
               <a:rPr lang="en-US" dirty="0" smtClean="0"/>
-              <a:t> the system </a:t>
-            </a:r>
-            <a:r>
-              <a:rPr lang="en-US" dirty="0" smtClean="0"/>
-              <a:t>does.</a:t>
+              <a:t> the system does.</a:t>
             </a:r>
             <a:r>
               <a:rPr lang="ru-RU" dirty="0" smtClean="0"/>
@@ -9559,15 +9940,7 @@
             </a:r>
             <a:r>
               <a:rPr lang="en-US" dirty="0" smtClean="0"/>
-              <a:t>Functional testing types are based </a:t>
-            </a:r>
-            <a:r>
-              <a:rPr lang="en-US" dirty="0" smtClean="0"/>
-              <a:t>on examination of </a:t>
-            </a:r>
-            <a:r>
-              <a:rPr lang="en-US" dirty="0" smtClean="0"/>
-              <a:t>external (front-end) system behavior </a:t>
+              <a:t>Functional testing types are based on examination of external (front-end) system behavior </a:t>
             </a:r>
             <a:r>
               <a:rPr lang="en-US" b="1" u="sng" dirty="0" smtClean="0"/>
@@ -9646,15 +10019,7 @@
           <a:p>
             <a:r>
               <a:rPr lang="en-US" dirty="0" smtClean="0"/>
-              <a:t>I</a:t>
-            </a:r>
-            <a:r>
-              <a:rPr lang="en-US" dirty="0" smtClean="0"/>
-              <a:t>nteroperability </a:t>
-            </a:r>
-            <a:r>
-              <a:rPr lang="en-US" dirty="0" smtClean="0"/>
-              <a:t>testing</a:t>
+              <a:t>Interoperability testing</a:t>
             </a:r>
             <a:r>
               <a:rPr lang="en-US" i="1" dirty="0" smtClean="0"/>
@@ -9809,7 +10174,7 @@
     </p:spTree>
     <p:extLst>
       <p:ext uri="{BB962C8B-B14F-4D97-AF65-F5344CB8AC3E}">
-        <p14:creationId xmlns:p14="http://schemas.microsoft.com/office/powerpoint/2010/main" xmlns="" val="4060775951"/>
+        <p14:creationId xmlns="" xmlns:p14="http://schemas.microsoft.com/office/powerpoint/2010/main" val="4060775951"/>
       </p:ext>
     </p:extLst>
   </p:cSld>
@@ -9817,7 +10182,7 @@
     <a:masterClrMapping/>
   </p:clrMapOvr>
   <mc:AlternateContent xmlns:mc="http://schemas.openxmlformats.org/markup-compatibility/2006">
-    <mc:Choice xmlns:p14="http://schemas.microsoft.com/office/powerpoint/2010/main" xmlns="" Requires="p14">
+    <mc:Choice xmlns="" xmlns:p14="http://schemas.microsoft.com/office/powerpoint/2010/main" Requires="p14">
       <p:transition spd="slow" p14:dur="2000"/>
     </mc:Choice>
     <mc:Fallback>
@@ -9932,15 +10297,7 @@
           <a:p>
             <a:r>
               <a:rPr lang="en-US" dirty="0" smtClean="0"/>
-              <a:t>The </a:t>
-            </a:r>
-            <a:r>
-              <a:rPr lang="en-US" dirty="0" smtClean="0"/>
-              <a:t>non-function characteristics </a:t>
-            </a:r>
-            <a:r>
-              <a:rPr lang="en-US" dirty="0" smtClean="0"/>
-              <a:t>are </a:t>
+              <a:t>The non-function characteristics are </a:t>
             </a:r>
             <a:r>
               <a:rPr lang="en-US" b="1" u="sng" dirty="0" smtClean="0"/>
@@ -9948,11 +10305,7 @@
             </a:r>
             <a:r>
               <a:rPr lang="en-US" dirty="0" smtClean="0"/>
-              <a:t> </a:t>
-            </a:r>
-            <a:r>
-              <a:rPr lang="en-US" dirty="0" smtClean="0"/>
-              <a:t>the system does. Non-functional testing may be performed at all test levels.</a:t>
+              <a:t> the system does. Non-functional testing may be performed at all test levels.</a:t>
             </a:r>
             <a:endParaRPr lang="en-US" b="1" u="sng" dirty="0"/>
           </a:p>
@@ -10671,7 +11024,7 @@
     </p:spTree>
     <p:extLst>
       <p:ext uri="{BB962C8B-B14F-4D97-AF65-F5344CB8AC3E}">
-        <p14:creationId xmlns:p14="http://schemas.microsoft.com/office/powerpoint/2010/main" xmlns="" val="4060775951"/>
+        <p14:creationId xmlns="" xmlns:p14="http://schemas.microsoft.com/office/powerpoint/2010/main" val="4060775951"/>
       </p:ext>
     </p:extLst>
   </p:cSld>
@@ -10679,7 +11032,7 @@
     <a:masterClrMapping/>
   </p:clrMapOvr>
   <mc:AlternateContent xmlns:mc="http://schemas.openxmlformats.org/markup-compatibility/2006">
-    <mc:Choice xmlns:p14="http://schemas.microsoft.com/office/powerpoint/2010/main" xmlns="" Requires="p14">
+    <mc:Choice xmlns="" xmlns:p14="http://schemas.microsoft.com/office/powerpoint/2010/main" Requires="p14">
       <p:transition spd="slow" p14:dur="2000"/>
     </mc:Choice>
     <mc:Fallback>
@@ -10802,27 +11155,7 @@
             </a:r>
             <a:r>
               <a:rPr lang="en-US" dirty="0" smtClean="0"/>
-              <a:t> testing may be performed at all test levels</a:t>
-            </a:r>
-            <a:r>
-              <a:rPr lang="en-US" dirty="0" smtClean="0"/>
-              <a:t>. It is </a:t>
-            </a:r>
-            <a:r>
-              <a:rPr lang="en-US" dirty="0" smtClean="0"/>
-              <a:t>based on examination of </a:t>
-            </a:r>
-            <a:r>
-              <a:rPr lang="en-US" dirty="0" smtClean="0"/>
-              <a:t>internal (back-end</a:t>
-            </a:r>
-            <a:r>
-              <a:rPr lang="en-US" dirty="0" smtClean="0"/>
-              <a:t>) system </a:t>
-            </a:r>
-            <a:r>
-              <a:rPr lang="en-US" dirty="0" smtClean="0"/>
-              <a:t>behavior.</a:t>
+              <a:t> testing may be performed at all test levels. It is based on examination of internal (back-end) system behavior.</a:t>
             </a:r>
             <a:endParaRPr lang="en-US" b="1" u="sng" dirty="0"/>
           </a:p>
@@ -11135,15 +11468,7 @@
           <a:p>
             <a:r>
               <a:rPr lang="en-US" dirty="0" smtClean="0"/>
-              <a:t>All these testing techniques </a:t>
-            </a:r>
-            <a:r>
-              <a:rPr lang="en-US" dirty="0" smtClean="0"/>
-              <a:t>help measure the </a:t>
-            </a:r>
-            <a:r>
-              <a:rPr lang="en-US" dirty="0" smtClean="0"/>
-              <a:t>code coverage: statement coverage, decision coverage, condition coverage etc. </a:t>
+              <a:t>All these testing techniques help measure the code coverage: statement coverage, decision coverage, condition coverage etc. </a:t>
             </a:r>
             <a:endParaRPr lang="en-US" b="1" u="sng" dirty="0"/>
           </a:p>
@@ -11152,7 +11477,7 @@
     </p:spTree>
     <p:extLst>
       <p:ext uri="{BB962C8B-B14F-4D97-AF65-F5344CB8AC3E}">
-        <p14:creationId xmlns:p14="http://schemas.microsoft.com/office/powerpoint/2010/main" xmlns="" val="4060775951"/>
+        <p14:creationId xmlns="" xmlns:p14="http://schemas.microsoft.com/office/powerpoint/2010/main" val="4060775951"/>
       </p:ext>
     </p:extLst>
   </p:cSld>
@@ -11160,7 +11485,7 @@
     <a:masterClrMapping/>
   </p:clrMapOvr>
   <mc:AlternateContent xmlns:mc="http://schemas.openxmlformats.org/markup-compatibility/2006">
-    <mc:Choice xmlns:p14="http://schemas.microsoft.com/office/powerpoint/2010/main" xmlns="" Requires="p14">
+    <mc:Choice xmlns="" xmlns:p14="http://schemas.microsoft.com/office/powerpoint/2010/main" Requires="p14">
       <p:transition spd="slow" p14:dur="2000"/>
     </mc:Choice>
     <mc:Fallback>
@@ -11497,7 +11822,7 @@
     </p:spTree>
     <p:extLst>
       <p:ext uri="{BB962C8B-B14F-4D97-AF65-F5344CB8AC3E}">
-        <p14:creationId xmlns:p14="http://schemas.microsoft.com/office/powerpoint/2010/main" xmlns="" val="4060775951"/>
+        <p14:creationId xmlns="" xmlns:p14="http://schemas.microsoft.com/office/powerpoint/2010/main" val="4060775951"/>
       </p:ext>
     </p:extLst>
   </p:cSld>
@@ -11505,7 +11830,7 @@
     <a:masterClrMapping/>
   </p:clrMapOvr>
   <mc:AlternateContent xmlns:mc="http://schemas.openxmlformats.org/markup-compatibility/2006">
-    <mc:Choice xmlns:p14="http://schemas.microsoft.com/office/powerpoint/2010/main" xmlns="" Requires="p14">
+    <mc:Choice xmlns="" xmlns:p14="http://schemas.microsoft.com/office/powerpoint/2010/main" Requires="p14">
       <p:transition spd="slow" p14:dur="2000"/>
     </mc:Choice>
     <mc:Fallback>
@@ -11620,15 +11945,7 @@
           <a:p>
             <a:r>
               <a:rPr lang="en-US" dirty="0" smtClean="0"/>
-              <a:t>Once </a:t>
-            </a:r>
-            <a:r>
-              <a:rPr lang="en-US" dirty="0" smtClean="0"/>
-              <a:t>deployed, a software system is often in service for years or decades. During this time the system, its configuration data, or its environment are often corrected, changed or extended</a:t>
-            </a:r>
-            <a:r>
-              <a:rPr lang="en-US" dirty="0" smtClean="0"/>
-              <a:t>.</a:t>
+              <a:t>Once deployed, a software system is often in service for years or decades. During this time the system, its configuration data, or its environment are often corrected, changed or extended.</a:t>
             </a:r>
           </a:p>
           <a:p>
@@ -11646,19 +11963,7 @@
           <a:p>
             <a:r>
               <a:rPr lang="en-US" dirty="0" smtClean="0"/>
-              <a:t>It is </a:t>
-            </a:r>
-            <a:r>
-              <a:rPr lang="en-US" dirty="0" smtClean="0"/>
-              <a:t>testing </a:t>
-            </a:r>
-            <a:r>
-              <a:rPr lang="en-US" dirty="0" smtClean="0"/>
-              <a:t>the changes to an operational system or the impact of a changed environment to an operational </a:t>
-            </a:r>
-            <a:r>
-              <a:rPr lang="en-US" dirty="0" smtClean="0"/>
-              <a:t>system.</a:t>
+              <a:t>It is testing the changes to an operational system or the impact of a changed environment to an operational system.</a:t>
             </a:r>
             <a:endParaRPr lang="en-US" dirty="0"/>
           </a:p>
@@ -11667,7 +11972,7 @@
     </p:spTree>
     <p:extLst>
       <p:ext uri="{BB962C8B-B14F-4D97-AF65-F5344CB8AC3E}">
-        <p14:creationId xmlns:p14="http://schemas.microsoft.com/office/powerpoint/2010/main" xmlns="" val="4060775951"/>
+        <p14:creationId xmlns="" xmlns:p14="http://schemas.microsoft.com/office/powerpoint/2010/main" val="4060775951"/>
       </p:ext>
     </p:extLst>
   </p:cSld>
@@ -11675,7 +11980,7 @@
     <a:masterClrMapping/>
   </p:clrMapOvr>
   <mc:AlternateContent xmlns:mc="http://schemas.openxmlformats.org/markup-compatibility/2006">
-    <mc:Choice xmlns:p14="http://schemas.microsoft.com/office/powerpoint/2010/main" xmlns="" Requires="p14">
+    <mc:Choice xmlns="" xmlns:p14="http://schemas.microsoft.com/office/powerpoint/2010/main" Requires="p14">
       <p:transition spd="slow" p14:dur="2000"/>
     </mc:Choice>
     <mc:Fallback>
